--- a/ResourceManagementPresentation.pptx
+++ b/ResourceManagementPresentation.pptx
@@ -8,11 +8,13 @@
     <p:sldId id="256" r:id="rId2"/>
     <p:sldId id="257" r:id="rId3"/>
     <p:sldId id="258" r:id="rId4"/>
-    <p:sldId id="259" r:id="rId5"/>
-    <p:sldId id="260" r:id="rId6"/>
-    <p:sldId id="261" r:id="rId7"/>
-    <p:sldId id="262" r:id="rId8"/>
-    <p:sldId id="263" r:id="rId9"/>
+    <p:sldId id="264" r:id="rId5"/>
+    <p:sldId id="259" r:id="rId6"/>
+    <p:sldId id="260" r:id="rId7"/>
+    <p:sldId id="266" r:id="rId8"/>
+    <p:sldId id="261" r:id="rId9"/>
+    <p:sldId id="262" r:id="rId10"/>
+    <p:sldId id="263" r:id="rId11"/>
   </p:sldIdLst>
   <p:sldSz cx="12192000" cy="6858000"/>
   <p:notesSz cx="6858000" cy="9144000"/>
@@ -111,6 +113,11 @@
       </a:defRPr>
     </a:lvl9pPr>
   </p:defaultTextStyle>
+  <p:extLst>
+    <p:ext uri="{EFAFB233-063F-42B5-8137-9DF3F51BA10A}">
+      <p15:sldGuideLst xmlns:p15="http://schemas.microsoft.com/office/powerpoint/2012/main"/>
+    </p:ext>
+  </p:extLst>
 </p:presentation>
 </file>
 
@@ -5390,6 +5397,118 @@
 </p:sld>
 </file>
 
+<file path=ppt/slides/slide10.xml><?xml version="1.0" encoding="utf-8"?>
+<p:sld xmlns:a="http://schemas.openxmlformats.org/drawingml/2006/main" xmlns:r="http://schemas.openxmlformats.org/officeDocument/2006/relationships" xmlns:p="http://schemas.openxmlformats.org/presentationml/2006/main">
+  <p:cSld>
+    <p:spTree>
+      <p:nvGrpSpPr>
+        <p:cNvPr id="1" name=""/>
+        <p:cNvGrpSpPr/>
+        <p:nvPr/>
+      </p:nvGrpSpPr>
+      <p:grpSpPr>
+        <a:xfrm>
+          <a:off x="0" y="0"/>
+          <a:ext cx="0" cy="0"/>
+          <a:chOff x="0" y="0"/>
+          <a:chExt cx="0" cy="0"/>
+        </a:xfrm>
+      </p:grpSpPr>
+      <p:sp>
+        <p:nvSpPr>
+          <p:cNvPr id="2" name="Title 1"/>
+          <p:cNvSpPr>
+            <a:spLocks noGrp="1"/>
+          </p:cNvSpPr>
+          <p:nvPr>
+            <p:ph type="title"/>
+          </p:nvPr>
+        </p:nvSpPr>
+        <p:spPr>
+          <a:xfrm>
+            <a:off x="684212" y="368486"/>
+            <a:ext cx="8534400" cy="1507067"/>
+          </a:xfrm>
+        </p:spPr>
+        <p:txBody>
+          <a:bodyPr/>
+          <a:lstStyle/>
+          <a:p>
+            <a:r>
+              <a:rPr lang="en-US" dirty="0" smtClean="0"/>
+              <a:t>Schedule</a:t>
+            </a:r>
+            <a:endParaRPr lang="en-AU" dirty="0"/>
+          </a:p>
+        </p:txBody>
+      </p:sp>
+      <p:sp>
+        <p:nvSpPr>
+          <p:cNvPr id="3" name="Content Placeholder 2"/>
+          <p:cNvSpPr>
+            <a:spLocks noGrp="1"/>
+          </p:cNvSpPr>
+          <p:nvPr>
+            <p:ph idx="1"/>
+          </p:nvPr>
+        </p:nvSpPr>
+        <p:spPr>
+          <a:xfrm>
+            <a:off x="684212" y="2215195"/>
+            <a:ext cx="8534400" cy="3615267"/>
+          </a:xfrm>
+        </p:spPr>
+        <p:txBody>
+          <a:bodyPr>
+            <a:normAutofit/>
+          </a:bodyPr>
+          <a:lstStyle/>
+          <a:p>
+            <a:r>
+              <a:rPr lang="en-US" dirty="0" smtClean="0"/>
+              <a:t>Identify </a:t>
+            </a:r>
+            <a:r>
+              <a:rPr lang="en-US" dirty="0"/>
+              <a:t>the major milestones of the project </a:t>
+            </a:r>
+          </a:p>
+          <a:p>
+            <a:r>
+              <a:rPr lang="en-US" dirty="0" smtClean="0"/>
+              <a:t>Indicate </a:t>
+            </a:r>
+            <a:r>
+              <a:rPr lang="en-US" dirty="0"/>
+              <a:t>when each milestone should be </a:t>
+            </a:r>
+            <a:r>
+              <a:rPr lang="en-US" dirty="0" smtClean="0"/>
+              <a:t>achieved</a:t>
+            </a:r>
+          </a:p>
+          <a:p>
+            <a:r>
+              <a:rPr lang="en-US" dirty="0" smtClean="0"/>
+              <a:t>Gantt Chart</a:t>
+            </a:r>
+            <a:endParaRPr lang="en-US" dirty="0"/>
+          </a:p>
+        </p:txBody>
+      </p:sp>
+    </p:spTree>
+    <p:extLst>
+      <p:ext uri="{BB962C8B-B14F-4D97-AF65-F5344CB8AC3E}">
+        <p14:creationId xmlns:p14="http://schemas.microsoft.com/office/powerpoint/2010/main" val="1030416648"/>
+      </p:ext>
+    </p:extLst>
+  </p:cSld>
+  <p:clrMapOvr>
+    <a:masterClrMapping/>
+  </p:clrMapOvr>
+</p:sld>
+</file>
+
 <file path=ppt/slides/slide2.xml><?xml version="1.0" encoding="utf-8"?>
 <p:sld xmlns:a="http://schemas.openxmlformats.org/drawingml/2006/main" xmlns:r="http://schemas.openxmlformats.org/officeDocument/2006/relationships" xmlns:p="http://schemas.openxmlformats.org/presentationml/2006/main">
   <p:cSld>
@@ -5666,90 +5785,33 @@
           <a:chExt cx="0" cy="0"/>
         </a:xfrm>
       </p:grpSpPr>
-      <p:sp>
-        <p:nvSpPr>
-          <p:cNvPr id="2" name="Title 1"/>
-          <p:cNvSpPr>
-            <a:spLocks noGrp="1"/>
-          </p:cNvSpPr>
-          <p:nvPr>
-            <p:ph type="title"/>
-          </p:nvPr>
-        </p:nvSpPr>
+      <p:pic>
+        <p:nvPicPr>
+          <p:cNvPr id="4" name="Picture 3"/>
+          <p:cNvPicPr>
+            <a:picLocks noChangeAspect="1"/>
+          </p:cNvPicPr>
+          <p:nvPr/>
+        </p:nvPicPr>
+        <p:blipFill rotWithShape="1">
+          <a:blip r:embed="rId2"/>
+          <a:srcRect l="10555" t="18642" r="16287" b="9542"/>
+          <a:stretch/>
+        </p:blipFill>
         <p:spPr>
           <a:xfrm>
-            <a:off x="684212" y="368486"/>
-            <a:ext cx="8534400" cy="1507067"/>
+            <a:off x="917268" y="657225"/>
+            <a:ext cx="10393936" cy="5739492"/>
           </a:xfrm>
+          <a:prstGeom prst="rect">
+            <a:avLst/>
+          </a:prstGeom>
         </p:spPr>
-        <p:txBody>
-          <a:bodyPr/>
-          <a:lstStyle/>
-          <a:p>
-            <a:r>
-              <a:rPr lang="en-US" dirty="0" smtClean="0"/>
-              <a:t>Audience</a:t>
-            </a:r>
-            <a:endParaRPr lang="en-AU" dirty="0"/>
-          </a:p>
-        </p:txBody>
-      </p:sp>
-      <p:sp>
-        <p:nvSpPr>
-          <p:cNvPr id="3" name="Content Placeholder 2"/>
-          <p:cNvSpPr>
-            <a:spLocks noGrp="1"/>
-          </p:cNvSpPr>
-          <p:nvPr>
-            <p:ph idx="1"/>
-          </p:nvPr>
-        </p:nvSpPr>
-        <p:spPr>
-          <a:xfrm>
-            <a:off x="684212" y="2215195"/>
-            <a:ext cx="8534400" cy="3615267"/>
-          </a:xfrm>
-        </p:spPr>
-        <p:txBody>
-          <a:bodyPr>
-            <a:normAutofit/>
-          </a:bodyPr>
-          <a:lstStyle/>
-          <a:p>
-            <a:r>
-              <a:rPr lang="en-US" dirty="0" smtClean="0"/>
-              <a:t>Identify </a:t>
-            </a:r>
-            <a:r>
-              <a:rPr lang="en-US" dirty="0"/>
-              <a:t>the target users (10</a:t>
-            </a:r>
-            <a:r>
-              <a:rPr lang="en-US" dirty="0" smtClean="0"/>
-              <a:t>%)</a:t>
-            </a:r>
-          </a:p>
-          <a:p>
-            <a:r>
-              <a:rPr lang="en-US" dirty="0" smtClean="0"/>
-              <a:t>Discuss </a:t>
-            </a:r>
-            <a:r>
-              <a:rPr lang="en-US" dirty="0"/>
-              <a:t>the characteristics of the target </a:t>
-            </a:r>
-            <a:r>
-              <a:rPr lang="en-US" dirty="0" smtClean="0"/>
-              <a:t>users</a:t>
-            </a:r>
-            <a:endParaRPr lang="en-US" dirty="0"/>
-          </a:p>
-        </p:txBody>
-      </p:sp>
+      </p:pic>
     </p:spTree>
     <p:extLst>
       <p:ext uri="{BB962C8B-B14F-4D97-AF65-F5344CB8AC3E}">
-        <p14:creationId xmlns:p14="http://schemas.microsoft.com/office/powerpoint/2010/main" val="1392475990"/>
+        <p14:creationId xmlns:p14="http://schemas.microsoft.com/office/powerpoint/2010/main" val="2928316897"/>
       </p:ext>
     </p:extLst>
   </p:cSld>
@@ -5798,7 +5860,7 @@
           <a:p>
             <a:r>
               <a:rPr lang="en-US" dirty="0" smtClean="0"/>
-              <a:t>features</a:t>
+              <a:t>Audience</a:t>
             </a:r>
             <a:endParaRPr lang="en-AU" dirty="0"/>
           </a:p>
@@ -5832,21 +5894,26 @@
             </a:r>
             <a:r>
               <a:rPr lang="en-US" dirty="0"/>
-              <a:t>the basic features to be implemented </a:t>
-            </a:r>
-          </a:p>
-          <a:p>
+              <a:t>the target </a:t>
+            </a:r>
             <a:r>
               <a:rPr lang="en-US" dirty="0" smtClean="0"/>
-              <a:t>Identify </a:t>
+              <a:t>users</a:t>
+            </a:r>
+            <a:endParaRPr lang="en-US" dirty="0" smtClean="0"/>
+          </a:p>
+          <a:p>
+            <a:r>
+              <a:rPr lang="en-US" dirty="0" smtClean="0"/>
+              <a:t>Discuss </a:t>
             </a:r>
             <a:r>
               <a:rPr lang="en-US" dirty="0"/>
-              <a:t>and discuss features to enhance users </a:t>
+              <a:t>the characteristics of the target </a:t>
             </a:r>
             <a:r>
               <a:rPr lang="en-US" dirty="0" smtClean="0"/>
-              <a:t>experience</a:t>
+              <a:t>users</a:t>
             </a:r>
             <a:endParaRPr lang="en-US" dirty="0"/>
           </a:p>
@@ -5855,7 +5922,7 @@
     </p:spTree>
     <p:extLst>
       <p:ext uri="{BB962C8B-B14F-4D97-AF65-F5344CB8AC3E}">
-        <p14:creationId xmlns:p14="http://schemas.microsoft.com/office/powerpoint/2010/main" val="3023949364"/>
+        <p14:creationId xmlns:p14="http://schemas.microsoft.com/office/powerpoint/2010/main" val="1392475990"/>
       </p:ext>
     </p:extLst>
   </p:cSld>
@@ -5904,7 +5971,7 @@
           <a:p>
             <a:r>
               <a:rPr lang="en-US" dirty="0" smtClean="0"/>
-              <a:t>Technologies</a:t>
+              <a:t>features</a:t>
             </a:r>
             <a:endParaRPr lang="en-AU" dirty="0"/>
           </a:p>
@@ -5938,7 +6005,7 @@
             </a:r>
             <a:r>
               <a:rPr lang="en-US" dirty="0"/>
-              <a:t>the functional &amp; technologies requirements </a:t>
+              <a:t>the basic features to be implemented </a:t>
             </a:r>
           </a:p>
           <a:p>
@@ -5948,15 +6015,20 @@
             </a:r>
             <a:r>
               <a:rPr lang="en-US" dirty="0"/>
-              <a:t>the data requirements </a:t>
-            </a:r>
+              <a:t>and discuss features to enhance users </a:t>
+            </a:r>
+            <a:r>
+              <a:rPr lang="en-US" dirty="0" smtClean="0"/>
+              <a:t>experience</a:t>
+            </a:r>
+            <a:endParaRPr lang="en-US" dirty="0"/>
           </a:p>
         </p:txBody>
       </p:sp>
     </p:spTree>
     <p:extLst>
       <p:ext uri="{BB962C8B-B14F-4D97-AF65-F5344CB8AC3E}">
-        <p14:creationId xmlns:p14="http://schemas.microsoft.com/office/powerpoint/2010/main" val="451716557"/>
+        <p14:creationId xmlns:p14="http://schemas.microsoft.com/office/powerpoint/2010/main" val="3023949364"/>
       </p:ext>
     </p:extLst>
   </p:cSld>
@@ -6005,69 +6077,16 @@
           <a:p>
             <a:r>
               <a:rPr lang="en-US" dirty="0" smtClean="0"/>
-              <a:t>Responsibilities</a:t>
+              <a:t>Sample User Interface</a:t>
             </a:r>
             <a:endParaRPr lang="en-AU" dirty="0"/>
-          </a:p>
-        </p:txBody>
-      </p:sp>
-      <p:sp>
-        <p:nvSpPr>
-          <p:cNvPr id="3" name="Content Placeholder 2"/>
-          <p:cNvSpPr>
-            <a:spLocks noGrp="1"/>
-          </p:cNvSpPr>
-          <p:nvPr>
-            <p:ph idx="1"/>
-          </p:nvPr>
-        </p:nvSpPr>
-        <p:spPr>
-          <a:xfrm>
-            <a:off x="684212" y="2215195"/>
-            <a:ext cx="8534400" cy="3615267"/>
-          </a:xfrm>
-        </p:spPr>
-        <p:txBody>
-          <a:bodyPr>
-            <a:normAutofit/>
-          </a:bodyPr>
-          <a:lstStyle/>
-          <a:p>
-            <a:r>
-              <a:rPr lang="en-US" dirty="0" smtClean="0"/>
-              <a:t>Identify </a:t>
-            </a:r>
-            <a:r>
-              <a:rPr lang="en-US" dirty="0"/>
-              <a:t>the strengths and weaknesses of each </a:t>
-            </a:r>
-            <a:r>
-              <a:rPr lang="en-US" dirty="0" smtClean="0"/>
-              <a:t>member</a:t>
-            </a:r>
-            <a:endParaRPr lang="en-US" dirty="0"/>
-          </a:p>
-          <a:p>
-            <a:r>
-              <a:rPr lang="en-US" dirty="0" smtClean="0"/>
-              <a:t>State </a:t>
-            </a:r>
-            <a:r>
-              <a:rPr lang="en-US" dirty="0"/>
-              <a:t>and justify who in charge of </a:t>
-            </a:r>
-            <a:r>
-              <a:rPr lang="en-US" dirty="0" smtClean="0"/>
-              <a:t>what</a:t>
-            </a:r>
-            <a:endParaRPr lang="en-US" dirty="0"/>
           </a:p>
         </p:txBody>
       </p:sp>
     </p:spTree>
     <p:extLst>
       <p:ext uri="{BB962C8B-B14F-4D97-AF65-F5344CB8AC3E}">
-        <p14:creationId xmlns:p14="http://schemas.microsoft.com/office/powerpoint/2010/main" val="161993207"/>
+        <p14:creationId xmlns:p14="http://schemas.microsoft.com/office/powerpoint/2010/main" val="48083459"/>
       </p:ext>
     </p:extLst>
   </p:cSld>
@@ -6116,7 +6135,7 @@
           <a:p>
             <a:r>
               <a:rPr lang="en-US" dirty="0" smtClean="0"/>
-              <a:t>Schedule</a:t>
+              <a:t>Technologies</a:t>
             </a:r>
             <a:endParaRPr lang="en-AU" dirty="0"/>
           </a:p>
@@ -6150,36 +6169,136 @@
             </a:r>
             <a:r>
               <a:rPr lang="en-US" dirty="0"/>
-              <a:t>the major milestones of the project </a:t>
+              <a:t>the functional &amp; technologies requirements </a:t>
             </a:r>
           </a:p>
           <a:p>
             <a:r>
               <a:rPr lang="en-US" dirty="0" smtClean="0"/>
-              <a:t>Indicate </a:t>
+              <a:t>Identify </a:t>
             </a:r>
             <a:r>
               <a:rPr lang="en-US" dirty="0"/>
-              <a:t>when each milestone should be </a:t>
-            </a:r>
-            <a:r>
-              <a:rPr lang="en-US" dirty="0" smtClean="0"/>
-              <a:t>achieved</a:t>
-            </a:r>
-          </a:p>
-          <a:p>
-            <a:r>
-              <a:rPr lang="en-US" dirty="0" smtClean="0"/>
-              <a:t>Gantt Chart</a:t>
-            </a:r>
-            <a:endParaRPr lang="en-US" dirty="0"/>
+              <a:t>the data requirements </a:t>
+            </a:r>
           </a:p>
         </p:txBody>
       </p:sp>
     </p:spTree>
     <p:extLst>
       <p:ext uri="{BB962C8B-B14F-4D97-AF65-F5344CB8AC3E}">
-        <p14:creationId xmlns:p14="http://schemas.microsoft.com/office/powerpoint/2010/main" val="1030416648"/>
+        <p14:creationId xmlns:p14="http://schemas.microsoft.com/office/powerpoint/2010/main" val="451716557"/>
+      </p:ext>
+    </p:extLst>
+  </p:cSld>
+  <p:clrMapOvr>
+    <a:masterClrMapping/>
+  </p:clrMapOvr>
+</p:sld>
+</file>
+
+<file path=ppt/slides/slide9.xml><?xml version="1.0" encoding="utf-8"?>
+<p:sld xmlns:a="http://schemas.openxmlformats.org/drawingml/2006/main" xmlns:r="http://schemas.openxmlformats.org/officeDocument/2006/relationships" xmlns:p="http://schemas.openxmlformats.org/presentationml/2006/main">
+  <p:cSld>
+    <p:spTree>
+      <p:nvGrpSpPr>
+        <p:cNvPr id="1" name=""/>
+        <p:cNvGrpSpPr/>
+        <p:nvPr/>
+      </p:nvGrpSpPr>
+      <p:grpSpPr>
+        <a:xfrm>
+          <a:off x="0" y="0"/>
+          <a:ext cx="0" cy="0"/>
+          <a:chOff x="0" y="0"/>
+          <a:chExt cx="0" cy="0"/>
+        </a:xfrm>
+      </p:grpSpPr>
+      <p:sp>
+        <p:nvSpPr>
+          <p:cNvPr id="2" name="Title 1"/>
+          <p:cNvSpPr>
+            <a:spLocks noGrp="1"/>
+          </p:cNvSpPr>
+          <p:nvPr>
+            <p:ph type="title"/>
+          </p:nvPr>
+        </p:nvSpPr>
+        <p:spPr>
+          <a:xfrm>
+            <a:off x="684212" y="368486"/>
+            <a:ext cx="8534400" cy="1507067"/>
+          </a:xfrm>
+        </p:spPr>
+        <p:txBody>
+          <a:bodyPr/>
+          <a:lstStyle/>
+          <a:p>
+            <a:r>
+              <a:rPr lang="en-US" dirty="0" smtClean="0"/>
+              <a:t>Responsibilities</a:t>
+            </a:r>
+            <a:endParaRPr lang="en-AU" dirty="0"/>
+          </a:p>
+        </p:txBody>
+      </p:sp>
+      <p:sp>
+        <p:nvSpPr>
+          <p:cNvPr id="3" name="Content Placeholder 2"/>
+          <p:cNvSpPr>
+            <a:spLocks noGrp="1"/>
+          </p:cNvSpPr>
+          <p:nvPr>
+            <p:ph idx="1"/>
+          </p:nvPr>
+        </p:nvSpPr>
+        <p:spPr>
+          <a:xfrm>
+            <a:off x="684212" y="2215195"/>
+            <a:ext cx="8534400" cy="3615267"/>
+          </a:xfrm>
+        </p:spPr>
+        <p:txBody>
+          <a:bodyPr>
+            <a:normAutofit/>
+          </a:bodyPr>
+          <a:lstStyle/>
+          <a:p>
+            <a:r>
+              <a:rPr lang="en-US" dirty="0" smtClean="0"/>
+              <a:t>Identify </a:t>
+            </a:r>
+            <a:r>
+              <a:rPr lang="en-US" dirty="0"/>
+              <a:t>the strengths and weaknesses of each </a:t>
+            </a:r>
+            <a:r>
+              <a:rPr lang="en-US" dirty="0" smtClean="0"/>
+              <a:t>member</a:t>
+            </a:r>
+            <a:endParaRPr lang="en-US" dirty="0"/>
+          </a:p>
+          <a:p>
+            <a:r>
+              <a:rPr lang="en-US" dirty="0" smtClean="0"/>
+              <a:t>State </a:t>
+            </a:r>
+            <a:r>
+              <a:rPr lang="en-US" dirty="0"/>
+              <a:t>and justify who in charge of </a:t>
+            </a:r>
+            <a:r>
+              <a:rPr lang="en-US" dirty="0" smtClean="0"/>
+              <a:t>what</a:t>
+            </a:r>
+            <a:endParaRPr lang="en-US" dirty="0"/>
+          </a:p>
+        </p:txBody>
+      </p:sp>
+    </p:spTree>
+    <p:extLst>
+      <p:ext uri="{BB962C8B-B14F-4D97-AF65-F5344CB8AC3E}">
+        <p14:creationId xmlns:p14="http://schemas.microsoft.com/office/powerpoint/2010/main" val="161993207"/>
       </p:ext>
     </p:extLst>
   </p:cSld>

--- a/ResourceManagementPresentation.pptx
+++ b/ResourceManagementPresentation.pptx
@@ -5379,8 +5379,23 @@
           <a:p>
             <a:r>
               <a:rPr lang="en-AU" dirty="0"/>
-              <a:t>Xiao Liu</a:t>
-            </a:r>
+              <a:t>Xiao </a:t>
+            </a:r>
+            <a:r>
+              <a:rPr lang="en-AU" dirty="0" smtClean="0"/>
+              <a:t>Liu</a:t>
+            </a:r>
+          </a:p>
+          <a:p>
+            <a:r>
+              <a:rPr lang="en-AU" dirty="0" err="1"/>
+              <a:t>Ruijin</a:t>
+            </a:r>
+            <a:r>
+              <a:rPr lang="en-AU" dirty="0"/>
+              <a:t> Liu</a:t>
+            </a:r>
+            <a:endParaRPr lang="en-AU" dirty="0"/>
           </a:p>
         </p:txBody>
       </p:sp>
@@ -5900,7 +5915,6 @@
               <a:rPr lang="en-US" dirty="0" smtClean="0"/>
               <a:t>users</a:t>
             </a:r>
-            <a:endParaRPr lang="en-US" dirty="0" smtClean="0"/>
           </a:p>
           <a:p>
             <a:r>
@@ -6083,6 +6097,46 @@
           </a:p>
         </p:txBody>
       </p:sp>
+      <p:sp>
+        <p:nvSpPr>
+          <p:cNvPr id="3" name="Rectangle 2"/>
+          <p:cNvSpPr/>
+          <p:nvPr/>
+        </p:nvSpPr>
+        <p:spPr>
+          <a:xfrm>
+            <a:off x="2921225" y="1875553"/>
+            <a:ext cx="5882909" cy="1173345"/>
+          </a:xfrm>
+          <a:prstGeom prst="rect">
+            <a:avLst/>
+          </a:prstGeom>
+        </p:spPr>
+        <p:style>
+          <a:lnRef idx="2">
+            <a:schemeClr val="accent1">
+              <a:shade val="50000"/>
+            </a:schemeClr>
+          </a:lnRef>
+          <a:fillRef idx="1">
+            <a:schemeClr val="accent1"/>
+          </a:fillRef>
+          <a:effectRef idx="0">
+            <a:schemeClr val="accent1"/>
+          </a:effectRef>
+          <a:fontRef idx="minor">
+            <a:schemeClr val="lt1"/>
+          </a:fontRef>
+        </p:style>
+        <p:txBody>
+          <a:bodyPr rtlCol="0" anchor="ctr"/>
+          <a:lstStyle/>
+          <a:p>
+            <a:pPr algn="ctr"/>
+            <a:endParaRPr lang="en-AU"/>
+          </a:p>
+        </p:txBody>
+      </p:sp>
     </p:spTree>
     <p:extLst>
       <p:ext uri="{BB962C8B-B14F-4D97-AF65-F5344CB8AC3E}">
@@ -6242,59 +6296,515 @@
           </a:p>
         </p:txBody>
       </p:sp>
-      <p:sp>
-        <p:nvSpPr>
-          <p:cNvPr id="3" name="Content Placeholder 2"/>
-          <p:cNvSpPr>
-            <a:spLocks noGrp="1"/>
-          </p:cNvSpPr>
-          <p:nvPr>
-            <p:ph idx="1"/>
-          </p:nvPr>
-        </p:nvSpPr>
-        <p:spPr>
-          <a:xfrm>
-            <a:off x="684212" y="2215195"/>
-            <a:ext cx="8534400" cy="3615267"/>
-          </a:xfrm>
-        </p:spPr>
-        <p:txBody>
-          <a:bodyPr>
-            <a:normAutofit/>
-          </a:bodyPr>
-          <a:lstStyle/>
-          <a:p>
-            <a:r>
-              <a:rPr lang="en-US" dirty="0" smtClean="0"/>
-              <a:t>Identify </a:t>
-            </a:r>
-            <a:r>
-              <a:rPr lang="en-US" dirty="0"/>
-              <a:t>the strengths and weaknesses of each </a:t>
-            </a:r>
-            <a:r>
-              <a:rPr lang="en-US" dirty="0" smtClean="0"/>
-              <a:t>member</a:t>
-            </a:r>
-            <a:endParaRPr lang="en-US" dirty="0"/>
-          </a:p>
-          <a:p>
-            <a:r>
-              <a:rPr lang="en-US" dirty="0" smtClean="0"/>
-              <a:t>State </a:t>
-            </a:r>
-            <a:r>
-              <a:rPr lang="en-US" dirty="0"/>
-              <a:t>and justify who in charge of </a:t>
-            </a:r>
-            <a:r>
-              <a:rPr lang="en-US" dirty="0" smtClean="0"/>
-              <a:t>what</a:t>
-            </a:r>
-            <a:endParaRPr lang="en-US" dirty="0"/>
-          </a:p>
-        </p:txBody>
-      </p:sp>
+      <p:graphicFrame>
+        <p:nvGraphicFramePr>
+          <p:cNvPr id="4" name="Table 3"/>
+          <p:cNvGraphicFramePr>
+            <a:graphicFrameLocks noGrp="1"/>
+          </p:cNvGraphicFramePr>
+          <p:nvPr>
+            <p:extLst>
+              <p:ext uri="{D42A27DB-BD31-4B8C-83A1-F6EECF244321}">
+                <p14:modId xmlns:p14="http://schemas.microsoft.com/office/powerpoint/2010/main" val="1112534003"/>
+              </p:ext>
+            </p:extLst>
+          </p:nvPr>
+        </p:nvGraphicFramePr>
+        <p:xfrm>
+          <a:off x="412691" y="1634066"/>
+          <a:ext cx="10916158" cy="4058920"/>
+        </p:xfrm>
+        <a:graphic>
+          <a:graphicData uri="http://schemas.openxmlformats.org/drawingml/2006/table">
+            <a:tbl>
+              <a:tblPr firstRow="1" bandRow="1">
+                <a:tableStyleId>{5C22544A-7EE6-4342-B048-85BDC9FD1C3A}</a:tableStyleId>
+              </a:tblPr>
+              <a:tblGrid>
+                <a:gridCol w="1569858"/>
+                <a:gridCol w="2097627"/>
+                <a:gridCol w="2323185"/>
+                <a:gridCol w="2643572"/>
+                <a:gridCol w="2281916"/>
+              </a:tblGrid>
+              <a:tr h="370840">
+                <a:tc>
+                  <a:txBody>
+                    <a:bodyPr/>
+                    <a:lstStyle/>
+                    <a:p>
+                      <a:endParaRPr lang="en-AU" dirty="0"/>
+                    </a:p>
+                  </a:txBody>
+                  <a:tcPr/>
+                </a:tc>
+                <a:tc>
+                  <a:txBody>
+                    <a:bodyPr/>
+                    <a:lstStyle/>
+                    <a:p>
+                      <a:r>
+                        <a:rPr lang="en-US" dirty="0" smtClean="0"/>
+                        <a:t>Doug</a:t>
+                      </a:r>
+                      <a:endParaRPr lang="en-AU" dirty="0"/>
+                    </a:p>
+                  </a:txBody>
+                  <a:tcPr/>
+                </a:tc>
+                <a:tc>
+                  <a:txBody>
+                    <a:bodyPr/>
+                    <a:lstStyle/>
+                    <a:p>
+                      <a:r>
+                        <a:rPr lang="en-US" dirty="0" smtClean="0"/>
+                        <a:t>Sam</a:t>
+                      </a:r>
+                      <a:endParaRPr lang="en-AU" dirty="0"/>
+                    </a:p>
+                  </a:txBody>
+                  <a:tcPr/>
+                </a:tc>
+                <a:tc>
+                  <a:txBody>
+                    <a:bodyPr/>
+                    <a:lstStyle/>
+                    <a:p>
+                      <a:r>
+                        <a:rPr lang="en-AU" dirty="0" smtClean="0"/>
+                        <a:t>Xiao</a:t>
+                      </a:r>
+                      <a:endParaRPr lang="en-AU" dirty="0"/>
+                    </a:p>
+                  </a:txBody>
+                  <a:tcPr/>
+                </a:tc>
+                <a:tc>
+                  <a:txBody>
+                    <a:bodyPr/>
+                    <a:lstStyle/>
+                    <a:p>
+                      <a:r>
+                        <a:rPr lang="en-AU" dirty="0" err="1" smtClean="0"/>
+                        <a:t>Ruijin</a:t>
+                      </a:r>
+                      <a:endParaRPr lang="en-AU" dirty="0"/>
+                    </a:p>
+                  </a:txBody>
+                  <a:tcPr/>
+                </a:tc>
+              </a:tr>
+              <a:tr h="370840">
+                <a:tc>
+                  <a:txBody>
+                    <a:bodyPr/>
+                    <a:lstStyle/>
+                    <a:p>
+                      <a:r>
+                        <a:rPr lang="en-US" dirty="0" smtClean="0"/>
+                        <a:t>Primary Roles</a:t>
+                      </a:r>
+                      <a:endParaRPr lang="en-AU" dirty="0"/>
+                    </a:p>
+                  </a:txBody>
+                  <a:tcPr/>
+                </a:tc>
+                <a:tc>
+                  <a:txBody>
+                    <a:bodyPr/>
+                    <a:lstStyle/>
+                    <a:p>
+                      <a:pPr marL="285750" indent="-285750">
+                        <a:buFont typeface="Arial" panose="020B0604020202020204" pitchFamily="34" charset="0"/>
+                        <a:buChar char="•"/>
+                      </a:pPr>
+                      <a:r>
+                        <a:rPr lang="en-US" sz="1600" dirty="0" smtClean="0"/>
+                        <a:t>Backend</a:t>
+                      </a:r>
+                      <a:r>
+                        <a:rPr lang="en-US" sz="1600" baseline="0" dirty="0" smtClean="0"/>
+                        <a:t> Development</a:t>
+                      </a:r>
+                    </a:p>
+                    <a:p>
+                      <a:pPr marL="0" indent="0">
+                        <a:buFont typeface="Arial" panose="020B0604020202020204" pitchFamily="34" charset="0"/>
+                        <a:buNone/>
+                      </a:pPr>
+                      <a:endParaRPr lang="en-US" sz="1600" baseline="0" dirty="0" smtClean="0"/>
+                    </a:p>
+                    <a:p>
+                      <a:pPr marL="285750" indent="-285750">
+                        <a:buFont typeface="Arial" panose="020B0604020202020204" pitchFamily="34" charset="0"/>
+                        <a:buChar char="•"/>
+                      </a:pPr>
+                      <a:r>
+                        <a:rPr lang="en-US" sz="1600" baseline="0" dirty="0" smtClean="0"/>
+                        <a:t>Database Admin</a:t>
+                      </a:r>
+                      <a:endParaRPr lang="en-US" sz="1600" dirty="0" smtClean="0"/>
+                    </a:p>
+                    <a:p>
+                      <a:pPr marL="285750" indent="-285750">
+                        <a:buFont typeface="Arial" panose="020B0604020202020204" pitchFamily="34" charset="0"/>
+                        <a:buChar char="•"/>
+                      </a:pPr>
+                      <a:endParaRPr lang="en-AU" sz="1600" dirty="0"/>
+                    </a:p>
+                  </a:txBody>
+                  <a:tcPr/>
+                </a:tc>
+                <a:tc>
+                  <a:txBody>
+                    <a:bodyPr/>
+                    <a:lstStyle/>
+                    <a:p>
+                      <a:pPr marL="285750" indent="-285750">
+                        <a:buFont typeface="Arial" panose="020B0604020202020204" pitchFamily="34" charset="0"/>
+                        <a:buChar char="•"/>
+                      </a:pPr>
+                      <a:r>
+                        <a:rPr lang="en-US" sz="1600" baseline="0" dirty="0" smtClean="0"/>
+                        <a:t>Backend-Frontend API Management</a:t>
+                      </a:r>
+                      <a:endParaRPr lang="en-AU" sz="1600" dirty="0"/>
+                    </a:p>
+                  </a:txBody>
+                  <a:tcPr/>
+                </a:tc>
+                <a:tc>
+                  <a:txBody>
+                    <a:bodyPr/>
+                    <a:lstStyle/>
+                    <a:p>
+                      <a:pPr marL="285750" indent="-285750">
+                        <a:buFont typeface="Arial" panose="020B0604020202020204" pitchFamily="34" charset="0"/>
+                        <a:buChar char="•"/>
+                      </a:pPr>
+                      <a:r>
+                        <a:rPr lang="en-US" sz="1600" dirty="0" smtClean="0"/>
+                        <a:t>Frontend Design</a:t>
+                      </a:r>
+                    </a:p>
+                    <a:p>
+                      <a:pPr marL="0" indent="0">
+                        <a:buFont typeface="Arial" panose="020B0604020202020204" pitchFamily="34" charset="0"/>
+                        <a:buNone/>
+                      </a:pPr>
+                      <a:endParaRPr lang="en-US" sz="1600" dirty="0" smtClean="0"/>
+                    </a:p>
+                    <a:p>
+                      <a:pPr marL="285750" indent="-285750">
+                        <a:buFont typeface="Arial" panose="020B0604020202020204" pitchFamily="34" charset="0"/>
+                        <a:buChar char="•"/>
+                      </a:pPr>
+                      <a:r>
+                        <a:rPr lang="en-US" sz="1600" dirty="0" smtClean="0"/>
+                        <a:t>Graphic</a:t>
+                      </a:r>
+                      <a:r>
+                        <a:rPr lang="en-US" sz="1600" baseline="0" dirty="0" smtClean="0"/>
+                        <a:t> Interface Design</a:t>
+                      </a:r>
+                      <a:endParaRPr lang="en-AU" sz="1600" dirty="0"/>
+                    </a:p>
+                  </a:txBody>
+                  <a:tcPr/>
+                </a:tc>
+                <a:tc>
+                  <a:txBody>
+                    <a:bodyPr/>
+                    <a:lstStyle/>
+                    <a:p>
+                      <a:pPr marL="285750" indent="-285750">
+                        <a:buFont typeface="Arial" panose="020B0604020202020204" pitchFamily="34" charset="0"/>
+                        <a:buChar char="•"/>
+                      </a:pPr>
+                      <a:r>
+                        <a:rPr lang="en-US" sz="1600" dirty="0" smtClean="0"/>
+                        <a:t>Frontend</a:t>
+                      </a:r>
+                      <a:r>
+                        <a:rPr lang="en-US" sz="1600" baseline="0" dirty="0" smtClean="0"/>
+                        <a:t> Development</a:t>
+                      </a:r>
+                    </a:p>
+                    <a:p>
+                      <a:pPr marL="0" indent="0">
+                        <a:buFont typeface="Arial" panose="020B0604020202020204" pitchFamily="34" charset="0"/>
+                        <a:buNone/>
+                      </a:pPr>
+                      <a:endParaRPr lang="en-US" sz="1600" baseline="0" dirty="0" smtClean="0"/>
+                    </a:p>
+                    <a:p>
+                      <a:pPr marL="285750" indent="-285750">
+                        <a:buFont typeface="Arial" panose="020B0604020202020204" pitchFamily="34" charset="0"/>
+                        <a:buChar char="•"/>
+                      </a:pPr>
+                      <a:r>
+                        <a:rPr lang="en-US" sz="1600" baseline="0" dirty="0" smtClean="0"/>
+                        <a:t>User Interface</a:t>
+                      </a:r>
+                      <a:endParaRPr lang="en-AU" sz="1600" dirty="0"/>
+                    </a:p>
+                  </a:txBody>
+                  <a:tcPr/>
+                </a:tc>
+              </a:tr>
+              <a:tr h="370840">
+                <a:tc>
+                  <a:txBody>
+                    <a:bodyPr/>
+                    <a:lstStyle/>
+                    <a:p>
+                      <a:r>
+                        <a:rPr lang="en-US" dirty="0" smtClean="0"/>
+                        <a:t>Strengths</a:t>
+                      </a:r>
+                      <a:endParaRPr lang="en-AU" dirty="0"/>
+                    </a:p>
+                  </a:txBody>
+                  <a:tcPr/>
+                </a:tc>
+                <a:tc>
+                  <a:txBody>
+                    <a:bodyPr/>
+                    <a:lstStyle/>
+                    <a:p>
+                      <a:pPr marL="285750" indent="-285750">
+                        <a:buFont typeface="Arial" panose="020B0604020202020204" pitchFamily="34" charset="0"/>
+                        <a:buChar char="•"/>
+                      </a:pPr>
+                      <a:r>
+                        <a:rPr lang="en-US" sz="1600" dirty="0" err="1" smtClean="0"/>
+                        <a:t>NodeJS</a:t>
+                      </a:r>
+                      <a:endParaRPr lang="en-US" sz="1600" dirty="0" smtClean="0"/>
+                    </a:p>
+                    <a:p>
+                      <a:pPr marL="0" indent="0">
+                        <a:buFont typeface="Arial" panose="020B0604020202020204" pitchFamily="34" charset="0"/>
+                        <a:buNone/>
+                      </a:pPr>
+                      <a:endParaRPr lang="en-US" sz="1600" dirty="0" smtClean="0"/>
+                    </a:p>
+                    <a:p>
+                      <a:pPr marL="285750" indent="-285750">
+                        <a:buFont typeface="Arial" panose="020B0604020202020204" pitchFamily="34" charset="0"/>
+                        <a:buChar char="•"/>
+                      </a:pPr>
+                      <a:r>
+                        <a:rPr lang="en-US" sz="1600" dirty="0" smtClean="0"/>
+                        <a:t>Database / Schema</a:t>
+                      </a:r>
+                      <a:r>
+                        <a:rPr lang="en-US" sz="1600" baseline="0" dirty="0" smtClean="0"/>
+                        <a:t> Design</a:t>
+                      </a:r>
+                      <a:endParaRPr lang="en-AU" sz="1600" dirty="0"/>
+                    </a:p>
+                  </a:txBody>
+                  <a:tcPr/>
+                </a:tc>
+                <a:tc>
+                  <a:txBody>
+                    <a:bodyPr/>
+                    <a:lstStyle/>
+                    <a:p>
+                      <a:pPr marL="285750" indent="-285750">
+                        <a:buFont typeface="Arial" panose="020B0604020202020204" pitchFamily="34" charset="0"/>
+                        <a:buChar char="•"/>
+                      </a:pPr>
+                      <a:r>
+                        <a:rPr lang="en-US" sz="1600" dirty="0" smtClean="0"/>
+                        <a:t>JavaScript/HTML integration</a:t>
+                      </a:r>
+                      <a:endParaRPr lang="en-AU" sz="1600" dirty="0"/>
+                    </a:p>
+                  </a:txBody>
+                  <a:tcPr/>
+                </a:tc>
+                <a:tc>
+                  <a:txBody>
+                    <a:bodyPr/>
+                    <a:lstStyle/>
+                    <a:p>
+                      <a:pPr marL="285750" indent="-285750">
+                        <a:buFont typeface="Arial" panose="020B0604020202020204" pitchFamily="34" charset="0"/>
+                        <a:buChar char="•"/>
+                      </a:pPr>
+                      <a:r>
+                        <a:rPr lang="en-US" sz="1600" dirty="0" smtClean="0"/>
+                        <a:t>CSS</a:t>
+                      </a:r>
+                    </a:p>
+                    <a:p>
+                      <a:pPr marL="0" indent="0">
+                        <a:buFont typeface="Arial" panose="020B0604020202020204" pitchFamily="34" charset="0"/>
+                        <a:buNone/>
+                      </a:pPr>
+                      <a:endParaRPr lang="en-US" sz="1600" dirty="0" smtClean="0"/>
+                    </a:p>
+                    <a:p>
+                      <a:pPr marL="285750" indent="-285750">
+                        <a:buFont typeface="Arial" panose="020B0604020202020204" pitchFamily="34" charset="0"/>
+                        <a:buChar char="•"/>
+                      </a:pPr>
+                      <a:r>
+                        <a:rPr lang="en-US" sz="1600" dirty="0" smtClean="0"/>
+                        <a:t>Graphics Creation</a:t>
+                      </a:r>
+                      <a:endParaRPr lang="en-AU" sz="1600" dirty="0" smtClean="0"/>
+                    </a:p>
+                    <a:p>
+                      <a:pPr marL="285750" indent="-285750">
+                        <a:buFont typeface="Arial" panose="020B0604020202020204" pitchFamily="34" charset="0"/>
+                        <a:buChar char="•"/>
+                      </a:pPr>
+                      <a:endParaRPr lang="en-AU" sz="1600" dirty="0"/>
+                    </a:p>
+                  </a:txBody>
+                  <a:tcPr/>
+                </a:tc>
+                <a:tc>
+                  <a:txBody>
+                    <a:bodyPr/>
+                    <a:lstStyle/>
+                    <a:p>
+                      <a:pPr marL="285750" indent="-285750">
+                        <a:buFont typeface="Arial" panose="020B0604020202020204" pitchFamily="34" charset="0"/>
+                        <a:buChar char="•"/>
+                      </a:pPr>
+                      <a:endParaRPr lang="en-AU" sz="1600" dirty="0"/>
+                    </a:p>
+                  </a:txBody>
+                  <a:tcPr/>
+                </a:tc>
+              </a:tr>
+              <a:tr h="370840">
+                <a:tc>
+                  <a:txBody>
+                    <a:bodyPr/>
+                    <a:lstStyle/>
+                    <a:p>
+                      <a:r>
+                        <a:rPr lang="en-US" dirty="0" smtClean="0"/>
+                        <a:t>Weaknesses</a:t>
+                      </a:r>
+                      <a:endParaRPr lang="en-AU" dirty="0"/>
+                    </a:p>
+                  </a:txBody>
+                  <a:tcPr/>
+                </a:tc>
+                <a:tc>
+                  <a:txBody>
+                    <a:bodyPr/>
+                    <a:lstStyle/>
+                    <a:p>
+                      <a:pPr marL="285750" indent="-285750">
+                        <a:buFont typeface="Arial" panose="020B0604020202020204" pitchFamily="34" charset="0"/>
+                        <a:buChar char="•"/>
+                      </a:pPr>
+                      <a:r>
+                        <a:rPr lang="en-US" sz="1600" dirty="0" smtClean="0"/>
+                        <a:t>Graphical Design</a:t>
+                      </a:r>
+                    </a:p>
+                    <a:p>
+                      <a:pPr marL="0" indent="0">
+                        <a:buFont typeface="Arial" panose="020B0604020202020204" pitchFamily="34" charset="0"/>
+                        <a:buNone/>
+                      </a:pPr>
+                      <a:endParaRPr lang="en-US" sz="1600" baseline="0" dirty="0" smtClean="0"/>
+                    </a:p>
+                    <a:p>
+                      <a:pPr marL="285750" indent="-285750">
+                        <a:buFont typeface="Arial" panose="020B0604020202020204" pitchFamily="34" charset="0"/>
+                        <a:buChar char="•"/>
+                      </a:pPr>
+                      <a:r>
+                        <a:rPr lang="en-US" sz="1600" baseline="0" dirty="0" smtClean="0"/>
+                        <a:t>CSS</a:t>
+                      </a:r>
+                      <a:endParaRPr lang="en-AU" sz="1600" dirty="0"/>
+                    </a:p>
+                  </a:txBody>
+                  <a:tcPr/>
+                </a:tc>
+                <a:tc>
+                  <a:txBody>
+                    <a:bodyPr/>
+                    <a:lstStyle/>
+                    <a:p>
+                      <a:pPr marL="285750" indent="-285750">
+                        <a:buFont typeface="Arial" panose="020B0604020202020204" pitchFamily="34" charset="0"/>
+                        <a:buChar char="•"/>
+                      </a:pPr>
+                      <a:r>
+                        <a:rPr lang="en-US" sz="1600" dirty="0" smtClean="0"/>
+                        <a:t>Server-side development</a:t>
+                      </a:r>
+                      <a:endParaRPr lang="en-AU" sz="1600" dirty="0"/>
+                    </a:p>
+                  </a:txBody>
+                  <a:tcPr/>
+                </a:tc>
+                <a:tc>
+                  <a:txBody>
+                    <a:bodyPr/>
+                    <a:lstStyle/>
+                    <a:p>
+                      <a:pPr marL="285750" indent="-285750">
+                        <a:buFont typeface="Arial" panose="020B0604020202020204" pitchFamily="34" charset="0"/>
+                        <a:buChar char="•"/>
+                      </a:pPr>
+                      <a:r>
+                        <a:rPr lang="en-US" sz="1600" dirty="0" smtClean="0"/>
+                        <a:t>Coding</a:t>
+                      </a:r>
+                    </a:p>
+                    <a:p>
+                      <a:pPr marL="285750" indent="-285750">
+                        <a:buFont typeface="Arial" panose="020B0604020202020204" pitchFamily="34" charset="0"/>
+                        <a:buChar char="•"/>
+                      </a:pPr>
+                      <a:endParaRPr lang="en-US" sz="1600" dirty="0" smtClean="0"/>
+                    </a:p>
+                    <a:p>
+                      <a:pPr marL="285750" indent="-285750">
+                        <a:buFont typeface="Arial" panose="020B0604020202020204" pitchFamily="34" charset="0"/>
+                        <a:buChar char="•"/>
+                      </a:pPr>
+                      <a:r>
+                        <a:rPr lang="en-US" sz="1600" dirty="0" smtClean="0"/>
+                        <a:t>English</a:t>
+                      </a:r>
+                      <a:endParaRPr lang="en-AU" sz="1600" dirty="0"/>
+                    </a:p>
+                  </a:txBody>
+                  <a:tcPr/>
+                </a:tc>
+                <a:tc>
+                  <a:txBody>
+                    <a:bodyPr/>
+                    <a:lstStyle/>
+                    <a:p>
+                      <a:pPr marL="285750" indent="-285750">
+                        <a:buFont typeface="Arial" panose="020B0604020202020204" pitchFamily="34" charset="0"/>
+                        <a:buChar char="•"/>
+                      </a:pPr>
+                      <a:endParaRPr lang="en-AU" sz="1600" dirty="0"/>
+                    </a:p>
+                  </a:txBody>
+                  <a:tcPr/>
+                </a:tc>
+              </a:tr>
+            </a:tbl>
+          </a:graphicData>
+        </a:graphic>
+      </p:graphicFrame>
     </p:spTree>
     <p:extLst>
       <p:ext uri="{BB962C8B-B14F-4D97-AF65-F5344CB8AC3E}">

--- a/ResourceManagementPresentation.pptx
+++ b/ResourceManagementPresentation.pptx
@@ -12,9 +12,10 @@
     <p:sldId id="259" r:id="rId6"/>
     <p:sldId id="260" r:id="rId7"/>
     <p:sldId id="266" r:id="rId8"/>
-    <p:sldId id="261" r:id="rId9"/>
-    <p:sldId id="262" r:id="rId10"/>
-    <p:sldId id="263" r:id="rId11"/>
+    <p:sldId id="267" r:id="rId9"/>
+    <p:sldId id="261" r:id="rId10"/>
+    <p:sldId id="262" r:id="rId11"/>
+    <p:sldId id="263" r:id="rId12"/>
   </p:sldIdLst>
   <p:sldSz cx="12192000" cy="6858000"/>
   <p:notesSz cx="6858000" cy="9144000"/>
@@ -313,7 +314,7 @@
             <a:fld id="{B61BEF0D-F0BB-DE4B-95CE-6DB70DBA9567}" type="datetimeFigureOut">
               <a:rPr lang="en-US" dirty="0"/>
               <a:pPr/>
-              <a:t>4/2/2015</a:t>
+              <a:t>4/7/2015</a:t>
             </a:fld>
             <a:endParaRPr lang="en-US" dirty="0"/>
           </a:p>
@@ -746,7 +747,7 @@
             <a:fld id="{B61BEF0D-F0BB-DE4B-95CE-6DB70DBA9567}" type="datetimeFigureOut">
               <a:rPr lang="en-US" dirty="0"/>
               <a:pPr/>
-              <a:t>4/2/2015</a:t>
+              <a:t>4/7/2015</a:t>
             </a:fld>
             <a:endParaRPr lang="en-US" dirty="0"/>
           </a:p>
@@ -993,7 +994,7 @@
             <a:fld id="{B61BEF0D-F0BB-DE4B-95CE-6DB70DBA9567}" type="datetimeFigureOut">
               <a:rPr lang="en-US" dirty="0"/>
               <a:pPr/>
-              <a:t>4/2/2015</a:t>
+              <a:t>4/7/2015</a:t>
             </a:fld>
             <a:endParaRPr lang="en-US" dirty="0"/>
           </a:p>
@@ -1298,7 +1299,7 @@
             <a:fld id="{B61BEF0D-F0BB-DE4B-95CE-6DB70DBA9567}" type="datetimeFigureOut">
               <a:rPr lang="en-US" dirty="0"/>
               <a:pPr/>
-              <a:t>4/2/2015</a:t>
+              <a:t>4/7/2015</a:t>
             </a:fld>
             <a:endParaRPr lang="en-US" dirty="0"/>
           </a:p>
@@ -1613,7 +1614,7 @@
             <a:fld id="{B61BEF0D-F0BB-DE4B-95CE-6DB70DBA9567}" type="datetimeFigureOut">
               <a:rPr lang="en-US" dirty="0"/>
               <a:pPr/>
-              <a:t>4/2/2015</a:t>
+              <a:t>4/7/2015</a:t>
             </a:fld>
             <a:endParaRPr lang="en-US" dirty="0"/>
           </a:p>
@@ -1912,7 +1913,7 @@
             <a:fld id="{B61BEF0D-F0BB-DE4B-95CE-6DB70DBA9567}" type="datetimeFigureOut">
               <a:rPr lang="en-US" dirty="0"/>
               <a:pPr/>
-              <a:t>4/2/2015</a:t>
+              <a:t>4/7/2015</a:t>
             </a:fld>
             <a:endParaRPr lang="en-US" dirty="0"/>
           </a:p>
@@ -2276,7 +2277,7 @@
             <a:fld id="{B61BEF0D-F0BB-DE4B-95CE-6DB70DBA9567}" type="datetimeFigureOut">
               <a:rPr lang="en-US" dirty="0"/>
               <a:pPr/>
-              <a:t>4/2/2015</a:t>
+              <a:t>4/7/2015</a:t>
             </a:fld>
             <a:endParaRPr lang="en-US" dirty="0"/>
           </a:p>
@@ -2447,7 +2448,7 @@
             <a:fld id="{B61BEF0D-F0BB-DE4B-95CE-6DB70DBA9567}" type="datetimeFigureOut">
               <a:rPr lang="en-US" dirty="0"/>
               <a:pPr/>
-              <a:t>4/2/2015</a:t>
+              <a:t>4/7/2015</a:t>
             </a:fld>
             <a:endParaRPr lang="en-US" dirty="0"/>
           </a:p>
@@ -2624,7 +2625,7 @@
             <a:fld id="{B61BEF0D-F0BB-DE4B-95CE-6DB70DBA9567}" type="datetimeFigureOut">
               <a:rPr lang="en-US" dirty="0"/>
               <a:pPr/>
-              <a:t>4/2/2015</a:t>
+              <a:t>4/7/2015</a:t>
             </a:fld>
             <a:endParaRPr lang="en-US" dirty="0"/>
           </a:p>
@@ -2791,7 +2792,7 @@
             <a:fld id="{B61BEF0D-F0BB-DE4B-95CE-6DB70DBA9567}" type="datetimeFigureOut">
               <a:rPr lang="en-US" dirty="0"/>
               <a:pPr/>
-              <a:t>4/2/2015</a:t>
+              <a:t>4/7/2015</a:t>
             </a:fld>
             <a:endParaRPr lang="en-US" dirty="0"/>
           </a:p>
@@ -3038,7 +3039,7 @@
             <a:fld id="{B61BEF0D-F0BB-DE4B-95CE-6DB70DBA9567}" type="datetimeFigureOut">
               <a:rPr lang="en-US" dirty="0"/>
               <a:pPr/>
-              <a:t>4/2/2015</a:t>
+              <a:t>4/7/2015</a:t>
             </a:fld>
             <a:endParaRPr lang="en-US" dirty="0"/>
           </a:p>
@@ -3271,7 +3272,7 @@
             <a:fld id="{B61BEF0D-F0BB-DE4B-95CE-6DB70DBA9567}" type="datetimeFigureOut">
               <a:rPr lang="en-US" dirty="0"/>
               <a:pPr/>
-              <a:t>4/2/2015</a:t>
+              <a:t>4/7/2015</a:t>
             </a:fld>
             <a:endParaRPr lang="en-US" dirty="0"/>
           </a:p>
@@ -3650,7 +3651,7 @@
             <a:fld id="{B61BEF0D-F0BB-DE4B-95CE-6DB70DBA9567}" type="datetimeFigureOut">
               <a:rPr lang="en-US" dirty="0"/>
               <a:pPr/>
-              <a:t>4/2/2015</a:t>
+              <a:t>4/7/2015</a:t>
             </a:fld>
             <a:endParaRPr lang="en-US" dirty="0"/>
           </a:p>
@@ -3765,7 +3766,7 @@
             <a:fld id="{B61BEF0D-F0BB-DE4B-95CE-6DB70DBA9567}" type="datetimeFigureOut">
               <a:rPr lang="en-US" dirty="0"/>
               <a:pPr/>
-              <a:t>4/2/2015</a:t>
+              <a:t>4/7/2015</a:t>
             </a:fld>
             <a:endParaRPr lang="en-US" dirty="0"/>
           </a:p>
@@ -3857,7 +3858,7 @@
             <a:fld id="{B61BEF0D-F0BB-DE4B-95CE-6DB70DBA9567}" type="datetimeFigureOut">
               <a:rPr lang="en-US" dirty="0"/>
               <a:pPr/>
-              <a:t>4/2/2015</a:t>
+              <a:t>4/7/2015</a:t>
             </a:fld>
             <a:endParaRPr lang="en-US" dirty="0"/>
           </a:p>
@@ -4109,7 +4110,7 @@
             <a:fld id="{B61BEF0D-F0BB-DE4B-95CE-6DB70DBA9567}" type="datetimeFigureOut">
               <a:rPr lang="en-US" dirty="0"/>
               <a:pPr/>
-              <a:t>4/2/2015</a:t>
+              <a:t>4/7/2015</a:t>
             </a:fld>
             <a:endParaRPr lang="en-US" dirty="0"/>
           </a:p>
@@ -4389,7 +4390,7 @@
             <a:fld id="{B61BEF0D-F0BB-DE4B-95CE-6DB70DBA9567}" type="datetimeFigureOut">
               <a:rPr lang="en-US" dirty="0"/>
               <a:pPr/>
-              <a:t>4/2/2015</a:t>
+              <a:t>4/7/2015</a:t>
             </a:fld>
             <a:endParaRPr lang="en-US" dirty="0"/>
           </a:p>
@@ -4792,7 +4793,7 @@
             <a:fld id="{B61BEF0D-F0BB-DE4B-95CE-6DB70DBA9567}" type="datetimeFigureOut">
               <a:rPr lang="en-US" dirty="0"/>
               <a:pPr/>
-              <a:t>4/2/2015</a:t>
+              <a:t>4/7/2015</a:t>
             </a:fld>
             <a:endParaRPr lang="en-US" dirty="0"/>
           </a:p>
@@ -5395,7 +5396,6 @@
               <a:rPr lang="en-AU" dirty="0"/>
               <a:t> Liu</a:t>
             </a:r>
-            <a:endParaRPr lang="en-AU" dirty="0"/>
           </a:p>
         </p:txBody>
       </p:sp>
@@ -5413,845 +5413,6 @@
 </file>
 
 <file path=ppt/slides/slide10.xml><?xml version="1.0" encoding="utf-8"?>
-<p:sld xmlns:a="http://schemas.openxmlformats.org/drawingml/2006/main" xmlns:r="http://schemas.openxmlformats.org/officeDocument/2006/relationships" xmlns:p="http://schemas.openxmlformats.org/presentationml/2006/main">
-  <p:cSld>
-    <p:spTree>
-      <p:nvGrpSpPr>
-        <p:cNvPr id="1" name=""/>
-        <p:cNvGrpSpPr/>
-        <p:nvPr/>
-      </p:nvGrpSpPr>
-      <p:grpSpPr>
-        <a:xfrm>
-          <a:off x="0" y="0"/>
-          <a:ext cx="0" cy="0"/>
-          <a:chOff x="0" y="0"/>
-          <a:chExt cx="0" cy="0"/>
-        </a:xfrm>
-      </p:grpSpPr>
-      <p:sp>
-        <p:nvSpPr>
-          <p:cNvPr id="2" name="Title 1"/>
-          <p:cNvSpPr>
-            <a:spLocks noGrp="1"/>
-          </p:cNvSpPr>
-          <p:nvPr>
-            <p:ph type="title"/>
-          </p:nvPr>
-        </p:nvSpPr>
-        <p:spPr>
-          <a:xfrm>
-            <a:off x="684212" y="368486"/>
-            <a:ext cx="8534400" cy="1507067"/>
-          </a:xfrm>
-        </p:spPr>
-        <p:txBody>
-          <a:bodyPr/>
-          <a:lstStyle/>
-          <a:p>
-            <a:r>
-              <a:rPr lang="en-US" dirty="0" smtClean="0"/>
-              <a:t>Schedule</a:t>
-            </a:r>
-            <a:endParaRPr lang="en-AU" dirty="0"/>
-          </a:p>
-        </p:txBody>
-      </p:sp>
-      <p:sp>
-        <p:nvSpPr>
-          <p:cNvPr id="3" name="Content Placeholder 2"/>
-          <p:cNvSpPr>
-            <a:spLocks noGrp="1"/>
-          </p:cNvSpPr>
-          <p:nvPr>
-            <p:ph idx="1"/>
-          </p:nvPr>
-        </p:nvSpPr>
-        <p:spPr>
-          <a:xfrm>
-            <a:off x="684212" y="2215195"/>
-            <a:ext cx="8534400" cy="3615267"/>
-          </a:xfrm>
-        </p:spPr>
-        <p:txBody>
-          <a:bodyPr>
-            <a:normAutofit/>
-          </a:bodyPr>
-          <a:lstStyle/>
-          <a:p>
-            <a:r>
-              <a:rPr lang="en-US" dirty="0" smtClean="0"/>
-              <a:t>Identify </a:t>
-            </a:r>
-            <a:r>
-              <a:rPr lang="en-US" dirty="0"/>
-              <a:t>the major milestones of the project </a:t>
-            </a:r>
-          </a:p>
-          <a:p>
-            <a:r>
-              <a:rPr lang="en-US" dirty="0" smtClean="0"/>
-              <a:t>Indicate </a:t>
-            </a:r>
-            <a:r>
-              <a:rPr lang="en-US" dirty="0"/>
-              <a:t>when each milestone should be </a:t>
-            </a:r>
-            <a:r>
-              <a:rPr lang="en-US" dirty="0" smtClean="0"/>
-              <a:t>achieved</a:t>
-            </a:r>
-          </a:p>
-          <a:p>
-            <a:r>
-              <a:rPr lang="en-US" dirty="0" smtClean="0"/>
-              <a:t>Gantt Chart</a:t>
-            </a:r>
-            <a:endParaRPr lang="en-US" dirty="0"/>
-          </a:p>
-        </p:txBody>
-      </p:sp>
-    </p:spTree>
-    <p:extLst>
-      <p:ext uri="{BB962C8B-B14F-4D97-AF65-F5344CB8AC3E}">
-        <p14:creationId xmlns:p14="http://schemas.microsoft.com/office/powerpoint/2010/main" val="1030416648"/>
-      </p:ext>
-    </p:extLst>
-  </p:cSld>
-  <p:clrMapOvr>
-    <a:masterClrMapping/>
-  </p:clrMapOvr>
-</p:sld>
-</file>
-
-<file path=ppt/slides/slide2.xml><?xml version="1.0" encoding="utf-8"?>
-<p:sld xmlns:a="http://schemas.openxmlformats.org/drawingml/2006/main" xmlns:r="http://schemas.openxmlformats.org/officeDocument/2006/relationships" xmlns:p="http://schemas.openxmlformats.org/presentationml/2006/main">
-  <p:cSld>
-    <p:spTree>
-      <p:nvGrpSpPr>
-        <p:cNvPr id="1" name=""/>
-        <p:cNvGrpSpPr/>
-        <p:nvPr/>
-      </p:nvGrpSpPr>
-      <p:grpSpPr>
-        <a:xfrm>
-          <a:off x="0" y="0"/>
-          <a:ext cx="0" cy="0"/>
-          <a:chOff x="0" y="0"/>
-          <a:chExt cx="0" cy="0"/>
-        </a:xfrm>
-      </p:grpSpPr>
-      <p:sp>
-        <p:nvSpPr>
-          <p:cNvPr id="2" name="Title 1"/>
-          <p:cNvSpPr>
-            <a:spLocks noGrp="1"/>
-          </p:cNvSpPr>
-          <p:nvPr>
-            <p:ph type="title"/>
-          </p:nvPr>
-        </p:nvSpPr>
-        <p:spPr>
-          <a:xfrm>
-            <a:off x="684212" y="368486"/>
-            <a:ext cx="8534400" cy="1507067"/>
-          </a:xfrm>
-        </p:spPr>
-        <p:txBody>
-          <a:bodyPr/>
-          <a:lstStyle/>
-          <a:p>
-            <a:r>
-              <a:rPr lang="en-US" dirty="0" smtClean="0"/>
-              <a:t>Agenda</a:t>
-            </a:r>
-            <a:endParaRPr lang="en-AU" dirty="0"/>
-          </a:p>
-        </p:txBody>
-      </p:sp>
-      <p:sp>
-        <p:nvSpPr>
-          <p:cNvPr id="3" name="Content Placeholder 2"/>
-          <p:cNvSpPr>
-            <a:spLocks noGrp="1"/>
-          </p:cNvSpPr>
-          <p:nvPr>
-            <p:ph idx="1"/>
-          </p:nvPr>
-        </p:nvSpPr>
-        <p:spPr>
-          <a:xfrm>
-            <a:off x="684212" y="2215195"/>
-            <a:ext cx="8534400" cy="3615267"/>
-          </a:xfrm>
-        </p:spPr>
-        <p:txBody>
-          <a:bodyPr>
-            <a:normAutofit/>
-          </a:bodyPr>
-          <a:lstStyle/>
-          <a:p>
-            <a:pPr marL="457200" indent="-457200">
-              <a:buFont typeface="+mj-lt"/>
-              <a:buAutoNum type="arabicPeriod"/>
-            </a:pPr>
-            <a:r>
-              <a:rPr lang="en-US" dirty="0" smtClean="0"/>
-              <a:t>Objective</a:t>
-            </a:r>
-          </a:p>
-          <a:p>
-            <a:pPr marL="457200" indent="-457200">
-              <a:buFont typeface="+mj-lt"/>
-              <a:buAutoNum type="arabicPeriod"/>
-            </a:pPr>
-            <a:r>
-              <a:rPr lang="en-US" dirty="0" smtClean="0"/>
-              <a:t>Purpose</a:t>
-            </a:r>
-            <a:endParaRPr lang="en-US" dirty="0"/>
-          </a:p>
-          <a:p>
-            <a:pPr marL="457200" indent="-457200">
-              <a:buFont typeface="+mj-lt"/>
-              <a:buAutoNum type="arabicPeriod"/>
-            </a:pPr>
-            <a:r>
-              <a:rPr lang="en-US" dirty="0" smtClean="0"/>
-              <a:t>Audience</a:t>
-            </a:r>
-            <a:endParaRPr lang="en-US" dirty="0"/>
-          </a:p>
-          <a:p>
-            <a:pPr marL="457200" indent="-457200">
-              <a:buFont typeface="+mj-lt"/>
-              <a:buAutoNum type="arabicPeriod"/>
-            </a:pPr>
-            <a:r>
-              <a:rPr lang="en-US" dirty="0" smtClean="0"/>
-              <a:t>Features</a:t>
-            </a:r>
-            <a:endParaRPr lang="en-US" dirty="0"/>
-          </a:p>
-          <a:p>
-            <a:pPr marL="457200" indent="-457200">
-              <a:buFont typeface="+mj-lt"/>
-              <a:buAutoNum type="arabicPeriod"/>
-            </a:pPr>
-            <a:r>
-              <a:rPr lang="en-US" dirty="0" smtClean="0"/>
-              <a:t>Technologies</a:t>
-            </a:r>
-            <a:endParaRPr lang="en-US" dirty="0"/>
-          </a:p>
-          <a:p>
-            <a:pPr marL="457200" indent="-457200">
-              <a:buFont typeface="+mj-lt"/>
-              <a:buAutoNum type="arabicPeriod"/>
-            </a:pPr>
-            <a:r>
-              <a:rPr lang="en-US" dirty="0" smtClean="0"/>
-              <a:t>Responsibilities</a:t>
-            </a:r>
-            <a:endParaRPr lang="en-US" dirty="0"/>
-          </a:p>
-          <a:p>
-            <a:pPr marL="457200" indent="-457200">
-              <a:buFont typeface="+mj-lt"/>
-              <a:buAutoNum type="arabicPeriod"/>
-            </a:pPr>
-            <a:r>
-              <a:rPr lang="en-US" dirty="0" smtClean="0"/>
-              <a:t>Schedule</a:t>
-            </a:r>
-            <a:endParaRPr lang="en-US" dirty="0"/>
-          </a:p>
-        </p:txBody>
-      </p:sp>
-    </p:spTree>
-    <p:extLst>
-      <p:ext uri="{BB962C8B-B14F-4D97-AF65-F5344CB8AC3E}">
-        <p14:creationId xmlns:p14="http://schemas.microsoft.com/office/powerpoint/2010/main" val="3257190085"/>
-      </p:ext>
-    </p:extLst>
-  </p:cSld>
-  <p:clrMapOvr>
-    <a:masterClrMapping/>
-  </p:clrMapOvr>
-</p:sld>
-</file>
-
-<file path=ppt/slides/slide3.xml><?xml version="1.0" encoding="utf-8"?>
-<p:sld xmlns:a="http://schemas.openxmlformats.org/drawingml/2006/main" xmlns:r="http://schemas.openxmlformats.org/officeDocument/2006/relationships" xmlns:p="http://schemas.openxmlformats.org/presentationml/2006/main">
-  <p:cSld>
-    <p:spTree>
-      <p:nvGrpSpPr>
-        <p:cNvPr id="1" name=""/>
-        <p:cNvGrpSpPr/>
-        <p:nvPr/>
-      </p:nvGrpSpPr>
-      <p:grpSpPr>
-        <a:xfrm>
-          <a:off x="0" y="0"/>
-          <a:ext cx="0" cy="0"/>
-          <a:chOff x="0" y="0"/>
-          <a:chExt cx="0" cy="0"/>
-        </a:xfrm>
-      </p:grpSpPr>
-      <p:sp>
-        <p:nvSpPr>
-          <p:cNvPr id="2" name="Title 1"/>
-          <p:cNvSpPr>
-            <a:spLocks noGrp="1"/>
-          </p:cNvSpPr>
-          <p:nvPr>
-            <p:ph type="title"/>
-          </p:nvPr>
-        </p:nvSpPr>
-        <p:spPr>
-          <a:xfrm>
-            <a:off x="684212" y="368486"/>
-            <a:ext cx="8534400" cy="1507067"/>
-          </a:xfrm>
-        </p:spPr>
-        <p:txBody>
-          <a:bodyPr/>
-          <a:lstStyle/>
-          <a:p>
-            <a:r>
-              <a:rPr lang="en-US" dirty="0" smtClean="0"/>
-              <a:t>Purpose</a:t>
-            </a:r>
-            <a:endParaRPr lang="en-AU" dirty="0"/>
-          </a:p>
-        </p:txBody>
-      </p:sp>
-      <p:sp>
-        <p:nvSpPr>
-          <p:cNvPr id="3" name="Content Placeholder 2"/>
-          <p:cNvSpPr>
-            <a:spLocks noGrp="1"/>
-          </p:cNvSpPr>
-          <p:nvPr>
-            <p:ph idx="1"/>
-          </p:nvPr>
-        </p:nvSpPr>
-        <p:spPr>
-          <a:xfrm>
-            <a:off x="684212" y="2215195"/>
-            <a:ext cx="8534400" cy="3615267"/>
-          </a:xfrm>
-        </p:spPr>
-        <p:txBody>
-          <a:bodyPr>
-            <a:normAutofit/>
-          </a:bodyPr>
-          <a:lstStyle/>
-          <a:p>
-            <a:r>
-              <a:rPr lang="en-US" dirty="0"/>
-              <a:t>Explain why this project idea is selected </a:t>
-            </a:r>
-          </a:p>
-          <a:p>
-            <a:r>
-              <a:rPr lang="en-US" dirty="0" smtClean="0"/>
-              <a:t>State </a:t>
-            </a:r>
-            <a:r>
-              <a:rPr lang="en-US" dirty="0"/>
-              <a:t>what are the importance/novelty of this </a:t>
-            </a:r>
-            <a:r>
-              <a:rPr lang="en-US" dirty="0" smtClean="0"/>
-              <a:t>project</a:t>
-            </a:r>
-            <a:endParaRPr lang="en-US" dirty="0"/>
-          </a:p>
-        </p:txBody>
-      </p:sp>
-    </p:spTree>
-    <p:extLst>
-      <p:ext uri="{BB962C8B-B14F-4D97-AF65-F5344CB8AC3E}">
-        <p14:creationId xmlns:p14="http://schemas.microsoft.com/office/powerpoint/2010/main" val="1903745998"/>
-      </p:ext>
-    </p:extLst>
-  </p:cSld>
-  <p:clrMapOvr>
-    <a:masterClrMapping/>
-  </p:clrMapOvr>
-</p:sld>
-</file>
-
-<file path=ppt/slides/slide4.xml><?xml version="1.0" encoding="utf-8"?>
-<p:sld xmlns:a="http://schemas.openxmlformats.org/drawingml/2006/main" xmlns:r="http://schemas.openxmlformats.org/officeDocument/2006/relationships" xmlns:p="http://schemas.openxmlformats.org/presentationml/2006/main">
-  <p:cSld>
-    <p:spTree>
-      <p:nvGrpSpPr>
-        <p:cNvPr id="1" name=""/>
-        <p:cNvGrpSpPr/>
-        <p:nvPr/>
-      </p:nvGrpSpPr>
-      <p:grpSpPr>
-        <a:xfrm>
-          <a:off x="0" y="0"/>
-          <a:ext cx="0" cy="0"/>
-          <a:chOff x="0" y="0"/>
-          <a:chExt cx="0" cy="0"/>
-        </a:xfrm>
-      </p:grpSpPr>
-      <p:pic>
-        <p:nvPicPr>
-          <p:cNvPr id="4" name="Picture 3"/>
-          <p:cNvPicPr>
-            <a:picLocks noChangeAspect="1"/>
-          </p:cNvPicPr>
-          <p:nvPr/>
-        </p:nvPicPr>
-        <p:blipFill rotWithShape="1">
-          <a:blip r:embed="rId2"/>
-          <a:srcRect l="10555" t="18642" r="16287" b="9542"/>
-          <a:stretch/>
-        </p:blipFill>
-        <p:spPr>
-          <a:xfrm>
-            <a:off x="917268" y="657225"/>
-            <a:ext cx="10393936" cy="5739492"/>
-          </a:xfrm>
-          <a:prstGeom prst="rect">
-            <a:avLst/>
-          </a:prstGeom>
-        </p:spPr>
-      </p:pic>
-    </p:spTree>
-    <p:extLst>
-      <p:ext uri="{BB962C8B-B14F-4D97-AF65-F5344CB8AC3E}">
-        <p14:creationId xmlns:p14="http://schemas.microsoft.com/office/powerpoint/2010/main" val="2928316897"/>
-      </p:ext>
-    </p:extLst>
-  </p:cSld>
-  <p:clrMapOvr>
-    <a:masterClrMapping/>
-  </p:clrMapOvr>
-</p:sld>
-</file>
-
-<file path=ppt/slides/slide5.xml><?xml version="1.0" encoding="utf-8"?>
-<p:sld xmlns:a="http://schemas.openxmlformats.org/drawingml/2006/main" xmlns:r="http://schemas.openxmlformats.org/officeDocument/2006/relationships" xmlns:p="http://schemas.openxmlformats.org/presentationml/2006/main">
-  <p:cSld>
-    <p:spTree>
-      <p:nvGrpSpPr>
-        <p:cNvPr id="1" name=""/>
-        <p:cNvGrpSpPr/>
-        <p:nvPr/>
-      </p:nvGrpSpPr>
-      <p:grpSpPr>
-        <a:xfrm>
-          <a:off x="0" y="0"/>
-          <a:ext cx="0" cy="0"/>
-          <a:chOff x="0" y="0"/>
-          <a:chExt cx="0" cy="0"/>
-        </a:xfrm>
-      </p:grpSpPr>
-      <p:sp>
-        <p:nvSpPr>
-          <p:cNvPr id="2" name="Title 1"/>
-          <p:cNvSpPr>
-            <a:spLocks noGrp="1"/>
-          </p:cNvSpPr>
-          <p:nvPr>
-            <p:ph type="title"/>
-          </p:nvPr>
-        </p:nvSpPr>
-        <p:spPr>
-          <a:xfrm>
-            <a:off x="684212" y="368486"/>
-            <a:ext cx="8534400" cy="1507067"/>
-          </a:xfrm>
-        </p:spPr>
-        <p:txBody>
-          <a:bodyPr/>
-          <a:lstStyle/>
-          <a:p>
-            <a:r>
-              <a:rPr lang="en-US" dirty="0" smtClean="0"/>
-              <a:t>Audience</a:t>
-            </a:r>
-            <a:endParaRPr lang="en-AU" dirty="0"/>
-          </a:p>
-        </p:txBody>
-      </p:sp>
-      <p:sp>
-        <p:nvSpPr>
-          <p:cNvPr id="3" name="Content Placeholder 2"/>
-          <p:cNvSpPr>
-            <a:spLocks noGrp="1"/>
-          </p:cNvSpPr>
-          <p:nvPr>
-            <p:ph idx="1"/>
-          </p:nvPr>
-        </p:nvSpPr>
-        <p:spPr>
-          <a:xfrm>
-            <a:off x="684212" y="2215195"/>
-            <a:ext cx="8534400" cy="3615267"/>
-          </a:xfrm>
-        </p:spPr>
-        <p:txBody>
-          <a:bodyPr>
-            <a:normAutofit/>
-          </a:bodyPr>
-          <a:lstStyle/>
-          <a:p>
-            <a:r>
-              <a:rPr lang="en-US" dirty="0" smtClean="0"/>
-              <a:t>Identify </a:t>
-            </a:r>
-            <a:r>
-              <a:rPr lang="en-US" dirty="0"/>
-              <a:t>the target </a:t>
-            </a:r>
-            <a:r>
-              <a:rPr lang="en-US" dirty="0" smtClean="0"/>
-              <a:t>users</a:t>
-            </a:r>
-          </a:p>
-          <a:p>
-            <a:r>
-              <a:rPr lang="en-US" dirty="0" smtClean="0"/>
-              <a:t>Discuss </a:t>
-            </a:r>
-            <a:r>
-              <a:rPr lang="en-US" dirty="0"/>
-              <a:t>the characteristics of the target </a:t>
-            </a:r>
-            <a:r>
-              <a:rPr lang="en-US" dirty="0" smtClean="0"/>
-              <a:t>users</a:t>
-            </a:r>
-            <a:endParaRPr lang="en-US" dirty="0"/>
-          </a:p>
-        </p:txBody>
-      </p:sp>
-    </p:spTree>
-    <p:extLst>
-      <p:ext uri="{BB962C8B-B14F-4D97-AF65-F5344CB8AC3E}">
-        <p14:creationId xmlns:p14="http://schemas.microsoft.com/office/powerpoint/2010/main" val="1392475990"/>
-      </p:ext>
-    </p:extLst>
-  </p:cSld>
-  <p:clrMapOvr>
-    <a:masterClrMapping/>
-  </p:clrMapOvr>
-</p:sld>
-</file>
-
-<file path=ppt/slides/slide6.xml><?xml version="1.0" encoding="utf-8"?>
-<p:sld xmlns:a="http://schemas.openxmlformats.org/drawingml/2006/main" xmlns:r="http://schemas.openxmlformats.org/officeDocument/2006/relationships" xmlns:p="http://schemas.openxmlformats.org/presentationml/2006/main">
-  <p:cSld>
-    <p:spTree>
-      <p:nvGrpSpPr>
-        <p:cNvPr id="1" name=""/>
-        <p:cNvGrpSpPr/>
-        <p:nvPr/>
-      </p:nvGrpSpPr>
-      <p:grpSpPr>
-        <a:xfrm>
-          <a:off x="0" y="0"/>
-          <a:ext cx="0" cy="0"/>
-          <a:chOff x="0" y="0"/>
-          <a:chExt cx="0" cy="0"/>
-        </a:xfrm>
-      </p:grpSpPr>
-      <p:sp>
-        <p:nvSpPr>
-          <p:cNvPr id="2" name="Title 1"/>
-          <p:cNvSpPr>
-            <a:spLocks noGrp="1"/>
-          </p:cNvSpPr>
-          <p:nvPr>
-            <p:ph type="title"/>
-          </p:nvPr>
-        </p:nvSpPr>
-        <p:spPr>
-          <a:xfrm>
-            <a:off x="684212" y="368486"/>
-            <a:ext cx="8534400" cy="1507067"/>
-          </a:xfrm>
-        </p:spPr>
-        <p:txBody>
-          <a:bodyPr/>
-          <a:lstStyle/>
-          <a:p>
-            <a:r>
-              <a:rPr lang="en-US" dirty="0" smtClean="0"/>
-              <a:t>features</a:t>
-            </a:r>
-            <a:endParaRPr lang="en-AU" dirty="0"/>
-          </a:p>
-        </p:txBody>
-      </p:sp>
-      <p:sp>
-        <p:nvSpPr>
-          <p:cNvPr id="3" name="Content Placeholder 2"/>
-          <p:cNvSpPr>
-            <a:spLocks noGrp="1"/>
-          </p:cNvSpPr>
-          <p:nvPr>
-            <p:ph idx="1"/>
-          </p:nvPr>
-        </p:nvSpPr>
-        <p:spPr>
-          <a:xfrm>
-            <a:off x="684212" y="2215195"/>
-            <a:ext cx="8534400" cy="3615267"/>
-          </a:xfrm>
-        </p:spPr>
-        <p:txBody>
-          <a:bodyPr>
-            <a:normAutofit/>
-          </a:bodyPr>
-          <a:lstStyle/>
-          <a:p>
-            <a:r>
-              <a:rPr lang="en-US" dirty="0" smtClean="0"/>
-              <a:t>Identify </a:t>
-            </a:r>
-            <a:r>
-              <a:rPr lang="en-US" dirty="0"/>
-              <a:t>the basic features to be implemented </a:t>
-            </a:r>
-          </a:p>
-          <a:p>
-            <a:r>
-              <a:rPr lang="en-US" dirty="0" smtClean="0"/>
-              <a:t>Identify </a:t>
-            </a:r>
-            <a:r>
-              <a:rPr lang="en-US" dirty="0"/>
-              <a:t>and discuss features to enhance users </a:t>
-            </a:r>
-            <a:r>
-              <a:rPr lang="en-US" dirty="0" smtClean="0"/>
-              <a:t>experience</a:t>
-            </a:r>
-            <a:endParaRPr lang="en-US" dirty="0"/>
-          </a:p>
-        </p:txBody>
-      </p:sp>
-    </p:spTree>
-    <p:extLst>
-      <p:ext uri="{BB962C8B-B14F-4D97-AF65-F5344CB8AC3E}">
-        <p14:creationId xmlns:p14="http://schemas.microsoft.com/office/powerpoint/2010/main" val="3023949364"/>
-      </p:ext>
-    </p:extLst>
-  </p:cSld>
-  <p:clrMapOvr>
-    <a:masterClrMapping/>
-  </p:clrMapOvr>
-</p:sld>
-</file>
-
-<file path=ppt/slides/slide7.xml><?xml version="1.0" encoding="utf-8"?>
-<p:sld xmlns:a="http://schemas.openxmlformats.org/drawingml/2006/main" xmlns:r="http://schemas.openxmlformats.org/officeDocument/2006/relationships" xmlns:p="http://schemas.openxmlformats.org/presentationml/2006/main">
-  <p:cSld>
-    <p:spTree>
-      <p:nvGrpSpPr>
-        <p:cNvPr id="1" name=""/>
-        <p:cNvGrpSpPr/>
-        <p:nvPr/>
-      </p:nvGrpSpPr>
-      <p:grpSpPr>
-        <a:xfrm>
-          <a:off x="0" y="0"/>
-          <a:ext cx="0" cy="0"/>
-          <a:chOff x="0" y="0"/>
-          <a:chExt cx="0" cy="0"/>
-        </a:xfrm>
-      </p:grpSpPr>
-      <p:sp>
-        <p:nvSpPr>
-          <p:cNvPr id="2" name="Title 1"/>
-          <p:cNvSpPr>
-            <a:spLocks noGrp="1"/>
-          </p:cNvSpPr>
-          <p:nvPr>
-            <p:ph type="title"/>
-          </p:nvPr>
-        </p:nvSpPr>
-        <p:spPr>
-          <a:xfrm>
-            <a:off x="684212" y="368486"/>
-            <a:ext cx="8534400" cy="1507067"/>
-          </a:xfrm>
-        </p:spPr>
-        <p:txBody>
-          <a:bodyPr/>
-          <a:lstStyle/>
-          <a:p>
-            <a:r>
-              <a:rPr lang="en-US" dirty="0" smtClean="0"/>
-              <a:t>Sample User Interface</a:t>
-            </a:r>
-            <a:endParaRPr lang="en-AU" dirty="0"/>
-          </a:p>
-        </p:txBody>
-      </p:sp>
-      <p:sp>
-        <p:nvSpPr>
-          <p:cNvPr id="3" name="Rectangle 2"/>
-          <p:cNvSpPr/>
-          <p:nvPr/>
-        </p:nvSpPr>
-        <p:spPr>
-          <a:xfrm>
-            <a:off x="2921225" y="1875553"/>
-            <a:ext cx="5882909" cy="1173345"/>
-          </a:xfrm>
-          <a:prstGeom prst="rect">
-            <a:avLst/>
-          </a:prstGeom>
-        </p:spPr>
-        <p:style>
-          <a:lnRef idx="2">
-            <a:schemeClr val="accent1">
-              <a:shade val="50000"/>
-            </a:schemeClr>
-          </a:lnRef>
-          <a:fillRef idx="1">
-            <a:schemeClr val="accent1"/>
-          </a:fillRef>
-          <a:effectRef idx="0">
-            <a:schemeClr val="accent1"/>
-          </a:effectRef>
-          <a:fontRef idx="minor">
-            <a:schemeClr val="lt1"/>
-          </a:fontRef>
-        </p:style>
-        <p:txBody>
-          <a:bodyPr rtlCol="0" anchor="ctr"/>
-          <a:lstStyle/>
-          <a:p>
-            <a:pPr algn="ctr"/>
-            <a:endParaRPr lang="en-AU"/>
-          </a:p>
-        </p:txBody>
-      </p:sp>
-    </p:spTree>
-    <p:extLst>
-      <p:ext uri="{BB962C8B-B14F-4D97-AF65-F5344CB8AC3E}">
-        <p14:creationId xmlns:p14="http://schemas.microsoft.com/office/powerpoint/2010/main" val="48083459"/>
-      </p:ext>
-    </p:extLst>
-  </p:cSld>
-  <p:clrMapOvr>
-    <a:masterClrMapping/>
-  </p:clrMapOvr>
-</p:sld>
-</file>
-
-<file path=ppt/slides/slide8.xml><?xml version="1.0" encoding="utf-8"?>
-<p:sld xmlns:a="http://schemas.openxmlformats.org/drawingml/2006/main" xmlns:r="http://schemas.openxmlformats.org/officeDocument/2006/relationships" xmlns:p="http://schemas.openxmlformats.org/presentationml/2006/main">
-  <p:cSld>
-    <p:spTree>
-      <p:nvGrpSpPr>
-        <p:cNvPr id="1" name=""/>
-        <p:cNvGrpSpPr/>
-        <p:nvPr/>
-      </p:nvGrpSpPr>
-      <p:grpSpPr>
-        <a:xfrm>
-          <a:off x="0" y="0"/>
-          <a:ext cx="0" cy="0"/>
-          <a:chOff x="0" y="0"/>
-          <a:chExt cx="0" cy="0"/>
-        </a:xfrm>
-      </p:grpSpPr>
-      <p:sp>
-        <p:nvSpPr>
-          <p:cNvPr id="2" name="Title 1"/>
-          <p:cNvSpPr>
-            <a:spLocks noGrp="1"/>
-          </p:cNvSpPr>
-          <p:nvPr>
-            <p:ph type="title"/>
-          </p:nvPr>
-        </p:nvSpPr>
-        <p:spPr>
-          <a:xfrm>
-            <a:off x="684212" y="368486"/>
-            <a:ext cx="8534400" cy="1507067"/>
-          </a:xfrm>
-        </p:spPr>
-        <p:txBody>
-          <a:bodyPr/>
-          <a:lstStyle/>
-          <a:p>
-            <a:r>
-              <a:rPr lang="en-US" dirty="0" smtClean="0"/>
-              <a:t>Technologies</a:t>
-            </a:r>
-            <a:endParaRPr lang="en-AU" dirty="0"/>
-          </a:p>
-        </p:txBody>
-      </p:sp>
-      <p:sp>
-        <p:nvSpPr>
-          <p:cNvPr id="3" name="Content Placeholder 2"/>
-          <p:cNvSpPr>
-            <a:spLocks noGrp="1"/>
-          </p:cNvSpPr>
-          <p:nvPr>
-            <p:ph idx="1"/>
-          </p:nvPr>
-        </p:nvSpPr>
-        <p:spPr>
-          <a:xfrm>
-            <a:off x="684212" y="2215195"/>
-            <a:ext cx="8534400" cy="3615267"/>
-          </a:xfrm>
-        </p:spPr>
-        <p:txBody>
-          <a:bodyPr>
-            <a:normAutofit/>
-          </a:bodyPr>
-          <a:lstStyle/>
-          <a:p>
-            <a:r>
-              <a:rPr lang="en-US" dirty="0" smtClean="0"/>
-              <a:t>Identify </a:t>
-            </a:r>
-            <a:r>
-              <a:rPr lang="en-US" dirty="0"/>
-              <a:t>the functional &amp; technologies requirements </a:t>
-            </a:r>
-          </a:p>
-          <a:p>
-            <a:r>
-              <a:rPr lang="en-US" dirty="0" smtClean="0"/>
-              <a:t>Identify </a:t>
-            </a:r>
-            <a:r>
-              <a:rPr lang="en-US" dirty="0"/>
-              <a:t>the data requirements </a:t>
-            </a:r>
-          </a:p>
-        </p:txBody>
-      </p:sp>
-    </p:spTree>
-    <p:extLst>
-      <p:ext uri="{BB962C8B-B14F-4D97-AF65-F5344CB8AC3E}">
-        <p14:creationId xmlns:p14="http://schemas.microsoft.com/office/powerpoint/2010/main" val="451716557"/>
-      </p:ext>
-    </p:extLst>
-  </p:cSld>
-  <p:clrMapOvr>
-    <a:masterClrMapping/>
-  </p:clrMapOvr>
-</p:sld>
-</file>
-
-<file path=ppt/slides/slide9.xml><?xml version="1.0" encoding="utf-8"?>
 <p:sld xmlns:a="http://schemas.openxmlformats.org/drawingml/2006/main" xmlns:r="http://schemas.openxmlformats.org/officeDocument/2006/relationships" xmlns:p="http://schemas.openxmlformats.org/presentationml/2006/main">
   <p:cSld>
     <p:spTree>
@@ -6818,6 +5979,1344 @@
 </p:sld>
 </file>
 
+<file path=ppt/slides/slide11.xml><?xml version="1.0" encoding="utf-8"?>
+<p:sld xmlns:a="http://schemas.openxmlformats.org/drawingml/2006/main" xmlns:r="http://schemas.openxmlformats.org/officeDocument/2006/relationships" xmlns:p="http://schemas.openxmlformats.org/presentationml/2006/main">
+  <p:cSld>
+    <p:spTree>
+      <p:nvGrpSpPr>
+        <p:cNvPr id="1" name=""/>
+        <p:cNvGrpSpPr/>
+        <p:nvPr/>
+      </p:nvGrpSpPr>
+      <p:grpSpPr>
+        <a:xfrm>
+          <a:off x="0" y="0"/>
+          <a:ext cx="0" cy="0"/>
+          <a:chOff x="0" y="0"/>
+          <a:chExt cx="0" cy="0"/>
+        </a:xfrm>
+      </p:grpSpPr>
+      <p:sp>
+        <p:nvSpPr>
+          <p:cNvPr id="2" name="Title 1"/>
+          <p:cNvSpPr>
+            <a:spLocks noGrp="1"/>
+          </p:cNvSpPr>
+          <p:nvPr>
+            <p:ph type="title"/>
+          </p:nvPr>
+        </p:nvSpPr>
+        <p:spPr>
+          <a:xfrm>
+            <a:off x="684212" y="368486"/>
+            <a:ext cx="8534400" cy="1507067"/>
+          </a:xfrm>
+        </p:spPr>
+        <p:txBody>
+          <a:bodyPr/>
+          <a:lstStyle/>
+          <a:p>
+            <a:r>
+              <a:rPr lang="en-US" dirty="0" smtClean="0"/>
+              <a:t>Schedule</a:t>
+            </a:r>
+            <a:endParaRPr lang="en-AU" dirty="0"/>
+          </a:p>
+        </p:txBody>
+      </p:sp>
+      <p:sp>
+        <p:nvSpPr>
+          <p:cNvPr id="3" name="Content Placeholder 2"/>
+          <p:cNvSpPr>
+            <a:spLocks noGrp="1"/>
+          </p:cNvSpPr>
+          <p:nvPr>
+            <p:ph idx="1"/>
+          </p:nvPr>
+        </p:nvSpPr>
+        <p:spPr>
+          <a:xfrm>
+            <a:off x="684212" y="2215195"/>
+            <a:ext cx="8534400" cy="3615267"/>
+          </a:xfrm>
+        </p:spPr>
+        <p:txBody>
+          <a:bodyPr>
+            <a:normAutofit/>
+          </a:bodyPr>
+          <a:lstStyle/>
+          <a:p>
+            <a:r>
+              <a:rPr lang="en-US" dirty="0" smtClean="0"/>
+              <a:t>Identify </a:t>
+            </a:r>
+            <a:r>
+              <a:rPr lang="en-US" dirty="0"/>
+              <a:t>the major milestones of the project </a:t>
+            </a:r>
+          </a:p>
+          <a:p>
+            <a:r>
+              <a:rPr lang="en-US" dirty="0" smtClean="0"/>
+              <a:t>Indicate </a:t>
+            </a:r>
+            <a:r>
+              <a:rPr lang="en-US" dirty="0"/>
+              <a:t>when each milestone should be </a:t>
+            </a:r>
+            <a:r>
+              <a:rPr lang="en-US" dirty="0" smtClean="0"/>
+              <a:t>achieved</a:t>
+            </a:r>
+          </a:p>
+          <a:p>
+            <a:r>
+              <a:rPr lang="en-US" dirty="0" smtClean="0"/>
+              <a:t>Gantt Chart</a:t>
+            </a:r>
+            <a:endParaRPr lang="en-US" dirty="0"/>
+          </a:p>
+        </p:txBody>
+      </p:sp>
+    </p:spTree>
+    <p:extLst>
+      <p:ext uri="{BB962C8B-B14F-4D97-AF65-F5344CB8AC3E}">
+        <p14:creationId xmlns:p14="http://schemas.microsoft.com/office/powerpoint/2010/main" val="1030416648"/>
+      </p:ext>
+    </p:extLst>
+  </p:cSld>
+  <p:clrMapOvr>
+    <a:masterClrMapping/>
+  </p:clrMapOvr>
+</p:sld>
+</file>
+
+<file path=ppt/slides/slide2.xml><?xml version="1.0" encoding="utf-8"?>
+<p:sld xmlns:a="http://schemas.openxmlformats.org/drawingml/2006/main" xmlns:r="http://schemas.openxmlformats.org/officeDocument/2006/relationships" xmlns:p="http://schemas.openxmlformats.org/presentationml/2006/main">
+  <p:cSld>
+    <p:spTree>
+      <p:nvGrpSpPr>
+        <p:cNvPr id="1" name=""/>
+        <p:cNvGrpSpPr/>
+        <p:nvPr/>
+      </p:nvGrpSpPr>
+      <p:grpSpPr>
+        <a:xfrm>
+          <a:off x="0" y="0"/>
+          <a:ext cx="0" cy="0"/>
+          <a:chOff x="0" y="0"/>
+          <a:chExt cx="0" cy="0"/>
+        </a:xfrm>
+      </p:grpSpPr>
+      <p:sp>
+        <p:nvSpPr>
+          <p:cNvPr id="2" name="Title 1"/>
+          <p:cNvSpPr>
+            <a:spLocks noGrp="1"/>
+          </p:cNvSpPr>
+          <p:nvPr>
+            <p:ph type="title"/>
+          </p:nvPr>
+        </p:nvSpPr>
+        <p:spPr>
+          <a:xfrm>
+            <a:off x="684212" y="368486"/>
+            <a:ext cx="8534400" cy="1507067"/>
+          </a:xfrm>
+        </p:spPr>
+        <p:txBody>
+          <a:bodyPr/>
+          <a:lstStyle/>
+          <a:p>
+            <a:r>
+              <a:rPr lang="en-US" dirty="0" smtClean="0"/>
+              <a:t>Agenda</a:t>
+            </a:r>
+            <a:endParaRPr lang="en-AU" dirty="0"/>
+          </a:p>
+        </p:txBody>
+      </p:sp>
+      <p:sp>
+        <p:nvSpPr>
+          <p:cNvPr id="3" name="Content Placeholder 2"/>
+          <p:cNvSpPr>
+            <a:spLocks noGrp="1"/>
+          </p:cNvSpPr>
+          <p:nvPr>
+            <p:ph idx="1"/>
+          </p:nvPr>
+        </p:nvSpPr>
+        <p:spPr>
+          <a:xfrm>
+            <a:off x="684212" y="2215195"/>
+            <a:ext cx="8534400" cy="3615267"/>
+          </a:xfrm>
+        </p:spPr>
+        <p:txBody>
+          <a:bodyPr>
+            <a:normAutofit/>
+          </a:bodyPr>
+          <a:lstStyle/>
+          <a:p>
+            <a:pPr marL="457200" indent="-457200">
+              <a:buFont typeface="+mj-lt"/>
+              <a:buAutoNum type="arabicPeriod"/>
+            </a:pPr>
+            <a:r>
+              <a:rPr lang="en-US" dirty="0" smtClean="0"/>
+              <a:t>Objective</a:t>
+            </a:r>
+          </a:p>
+          <a:p>
+            <a:pPr marL="457200" indent="-457200">
+              <a:buFont typeface="+mj-lt"/>
+              <a:buAutoNum type="arabicPeriod"/>
+            </a:pPr>
+            <a:r>
+              <a:rPr lang="en-US" dirty="0" smtClean="0"/>
+              <a:t>Purpose</a:t>
+            </a:r>
+            <a:endParaRPr lang="en-US" dirty="0"/>
+          </a:p>
+          <a:p>
+            <a:pPr marL="457200" indent="-457200">
+              <a:buFont typeface="+mj-lt"/>
+              <a:buAutoNum type="arabicPeriod"/>
+            </a:pPr>
+            <a:r>
+              <a:rPr lang="en-US" dirty="0" smtClean="0"/>
+              <a:t>Audience</a:t>
+            </a:r>
+            <a:endParaRPr lang="en-US" dirty="0"/>
+          </a:p>
+          <a:p>
+            <a:pPr marL="457200" indent="-457200">
+              <a:buFont typeface="+mj-lt"/>
+              <a:buAutoNum type="arabicPeriod"/>
+            </a:pPr>
+            <a:r>
+              <a:rPr lang="en-US" dirty="0" smtClean="0"/>
+              <a:t>Features</a:t>
+            </a:r>
+            <a:endParaRPr lang="en-US" dirty="0"/>
+          </a:p>
+          <a:p>
+            <a:pPr marL="457200" indent="-457200">
+              <a:buFont typeface="+mj-lt"/>
+              <a:buAutoNum type="arabicPeriod"/>
+            </a:pPr>
+            <a:r>
+              <a:rPr lang="en-US" dirty="0" smtClean="0"/>
+              <a:t>Technologies</a:t>
+            </a:r>
+            <a:endParaRPr lang="en-US" dirty="0"/>
+          </a:p>
+          <a:p>
+            <a:pPr marL="457200" indent="-457200">
+              <a:buFont typeface="+mj-lt"/>
+              <a:buAutoNum type="arabicPeriod"/>
+            </a:pPr>
+            <a:r>
+              <a:rPr lang="en-US" dirty="0" smtClean="0"/>
+              <a:t>Responsibilities</a:t>
+            </a:r>
+            <a:endParaRPr lang="en-US" dirty="0"/>
+          </a:p>
+          <a:p>
+            <a:pPr marL="457200" indent="-457200">
+              <a:buFont typeface="+mj-lt"/>
+              <a:buAutoNum type="arabicPeriod"/>
+            </a:pPr>
+            <a:r>
+              <a:rPr lang="en-US" dirty="0" smtClean="0"/>
+              <a:t>Schedule</a:t>
+            </a:r>
+            <a:endParaRPr lang="en-US" dirty="0"/>
+          </a:p>
+        </p:txBody>
+      </p:sp>
+    </p:spTree>
+    <p:extLst>
+      <p:ext uri="{BB962C8B-B14F-4D97-AF65-F5344CB8AC3E}">
+        <p14:creationId xmlns:p14="http://schemas.microsoft.com/office/powerpoint/2010/main" val="3257190085"/>
+      </p:ext>
+    </p:extLst>
+  </p:cSld>
+  <p:clrMapOvr>
+    <a:masterClrMapping/>
+  </p:clrMapOvr>
+</p:sld>
+</file>
+
+<file path=ppt/slides/slide3.xml><?xml version="1.0" encoding="utf-8"?>
+<p:sld xmlns:a="http://schemas.openxmlformats.org/drawingml/2006/main" xmlns:r="http://schemas.openxmlformats.org/officeDocument/2006/relationships" xmlns:p="http://schemas.openxmlformats.org/presentationml/2006/main">
+  <p:cSld>
+    <p:spTree>
+      <p:nvGrpSpPr>
+        <p:cNvPr id="1" name=""/>
+        <p:cNvGrpSpPr/>
+        <p:nvPr/>
+      </p:nvGrpSpPr>
+      <p:grpSpPr>
+        <a:xfrm>
+          <a:off x="0" y="0"/>
+          <a:ext cx="0" cy="0"/>
+          <a:chOff x="0" y="0"/>
+          <a:chExt cx="0" cy="0"/>
+        </a:xfrm>
+      </p:grpSpPr>
+      <p:sp>
+        <p:nvSpPr>
+          <p:cNvPr id="2" name="Title 1"/>
+          <p:cNvSpPr>
+            <a:spLocks noGrp="1"/>
+          </p:cNvSpPr>
+          <p:nvPr>
+            <p:ph type="title"/>
+          </p:nvPr>
+        </p:nvSpPr>
+        <p:spPr>
+          <a:xfrm>
+            <a:off x="684212" y="368486"/>
+            <a:ext cx="8534400" cy="1507067"/>
+          </a:xfrm>
+        </p:spPr>
+        <p:txBody>
+          <a:bodyPr/>
+          <a:lstStyle/>
+          <a:p>
+            <a:r>
+              <a:rPr lang="en-US" dirty="0" smtClean="0"/>
+              <a:t>Purpose</a:t>
+            </a:r>
+            <a:endParaRPr lang="en-AU" dirty="0"/>
+          </a:p>
+        </p:txBody>
+      </p:sp>
+      <p:sp>
+        <p:nvSpPr>
+          <p:cNvPr id="3" name="Content Placeholder 2"/>
+          <p:cNvSpPr>
+            <a:spLocks noGrp="1"/>
+          </p:cNvSpPr>
+          <p:nvPr>
+            <p:ph idx="1"/>
+          </p:nvPr>
+        </p:nvSpPr>
+        <p:spPr>
+          <a:xfrm>
+            <a:off x="684212" y="2215195"/>
+            <a:ext cx="8534400" cy="3615267"/>
+          </a:xfrm>
+        </p:spPr>
+        <p:txBody>
+          <a:bodyPr>
+            <a:normAutofit/>
+          </a:bodyPr>
+          <a:lstStyle/>
+          <a:p>
+            <a:r>
+              <a:rPr lang="en-US" dirty="0"/>
+              <a:t>Explain why this project idea is selected </a:t>
+            </a:r>
+          </a:p>
+          <a:p>
+            <a:r>
+              <a:rPr lang="en-US" dirty="0" smtClean="0"/>
+              <a:t>State </a:t>
+            </a:r>
+            <a:r>
+              <a:rPr lang="en-US" dirty="0"/>
+              <a:t>what are the importance/novelty of this </a:t>
+            </a:r>
+            <a:r>
+              <a:rPr lang="en-US" dirty="0" smtClean="0"/>
+              <a:t>project</a:t>
+            </a:r>
+            <a:endParaRPr lang="en-US" dirty="0"/>
+          </a:p>
+        </p:txBody>
+      </p:sp>
+    </p:spTree>
+    <p:extLst>
+      <p:ext uri="{BB962C8B-B14F-4D97-AF65-F5344CB8AC3E}">
+        <p14:creationId xmlns:p14="http://schemas.microsoft.com/office/powerpoint/2010/main" val="1903745998"/>
+      </p:ext>
+    </p:extLst>
+  </p:cSld>
+  <p:clrMapOvr>
+    <a:masterClrMapping/>
+  </p:clrMapOvr>
+</p:sld>
+</file>
+
+<file path=ppt/slides/slide4.xml><?xml version="1.0" encoding="utf-8"?>
+<p:sld xmlns:a="http://schemas.openxmlformats.org/drawingml/2006/main" xmlns:r="http://schemas.openxmlformats.org/officeDocument/2006/relationships" xmlns:p="http://schemas.openxmlformats.org/presentationml/2006/main">
+  <p:cSld>
+    <p:spTree>
+      <p:nvGrpSpPr>
+        <p:cNvPr id="1" name=""/>
+        <p:cNvGrpSpPr/>
+        <p:nvPr/>
+      </p:nvGrpSpPr>
+      <p:grpSpPr>
+        <a:xfrm>
+          <a:off x="0" y="0"/>
+          <a:ext cx="0" cy="0"/>
+          <a:chOff x="0" y="0"/>
+          <a:chExt cx="0" cy="0"/>
+        </a:xfrm>
+      </p:grpSpPr>
+      <p:pic>
+        <p:nvPicPr>
+          <p:cNvPr id="4" name="Picture 3"/>
+          <p:cNvPicPr>
+            <a:picLocks noChangeAspect="1"/>
+          </p:cNvPicPr>
+          <p:nvPr/>
+        </p:nvPicPr>
+        <p:blipFill rotWithShape="1">
+          <a:blip r:embed="rId2"/>
+          <a:srcRect l="10555" t="18642" r="16287" b="9542"/>
+          <a:stretch/>
+        </p:blipFill>
+        <p:spPr>
+          <a:xfrm>
+            <a:off x="917268" y="657225"/>
+            <a:ext cx="10393936" cy="5739492"/>
+          </a:xfrm>
+          <a:prstGeom prst="rect">
+            <a:avLst/>
+          </a:prstGeom>
+        </p:spPr>
+      </p:pic>
+    </p:spTree>
+    <p:extLst>
+      <p:ext uri="{BB962C8B-B14F-4D97-AF65-F5344CB8AC3E}">
+        <p14:creationId xmlns:p14="http://schemas.microsoft.com/office/powerpoint/2010/main" val="2928316897"/>
+      </p:ext>
+    </p:extLst>
+  </p:cSld>
+  <p:clrMapOvr>
+    <a:masterClrMapping/>
+  </p:clrMapOvr>
+</p:sld>
+</file>
+
+<file path=ppt/slides/slide5.xml><?xml version="1.0" encoding="utf-8"?>
+<p:sld xmlns:a="http://schemas.openxmlformats.org/drawingml/2006/main" xmlns:r="http://schemas.openxmlformats.org/officeDocument/2006/relationships" xmlns:p="http://schemas.openxmlformats.org/presentationml/2006/main">
+  <p:cSld>
+    <p:spTree>
+      <p:nvGrpSpPr>
+        <p:cNvPr id="1" name=""/>
+        <p:cNvGrpSpPr/>
+        <p:nvPr/>
+      </p:nvGrpSpPr>
+      <p:grpSpPr>
+        <a:xfrm>
+          <a:off x="0" y="0"/>
+          <a:ext cx="0" cy="0"/>
+          <a:chOff x="0" y="0"/>
+          <a:chExt cx="0" cy="0"/>
+        </a:xfrm>
+      </p:grpSpPr>
+      <p:sp>
+        <p:nvSpPr>
+          <p:cNvPr id="2" name="Title 1"/>
+          <p:cNvSpPr>
+            <a:spLocks noGrp="1"/>
+          </p:cNvSpPr>
+          <p:nvPr>
+            <p:ph type="title"/>
+          </p:nvPr>
+        </p:nvSpPr>
+        <p:spPr>
+          <a:xfrm>
+            <a:off x="684212" y="368486"/>
+            <a:ext cx="8534400" cy="1507067"/>
+          </a:xfrm>
+        </p:spPr>
+        <p:txBody>
+          <a:bodyPr/>
+          <a:lstStyle/>
+          <a:p>
+            <a:r>
+              <a:rPr lang="en-US" dirty="0" smtClean="0"/>
+              <a:t>Audience</a:t>
+            </a:r>
+            <a:endParaRPr lang="en-AU" dirty="0"/>
+          </a:p>
+        </p:txBody>
+      </p:sp>
+      <p:sp>
+        <p:nvSpPr>
+          <p:cNvPr id="3" name="Content Placeholder 2"/>
+          <p:cNvSpPr>
+            <a:spLocks noGrp="1"/>
+          </p:cNvSpPr>
+          <p:nvPr>
+            <p:ph idx="1"/>
+          </p:nvPr>
+        </p:nvSpPr>
+        <p:spPr>
+          <a:xfrm>
+            <a:off x="684212" y="2215195"/>
+            <a:ext cx="8534400" cy="3615267"/>
+          </a:xfrm>
+        </p:spPr>
+        <p:txBody>
+          <a:bodyPr>
+            <a:normAutofit/>
+          </a:bodyPr>
+          <a:lstStyle/>
+          <a:p>
+            <a:r>
+              <a:rPr lang="en-US" dirty="0" smtClean="0"/>
+              <a:t>Identify </a:t>
+            </a:r>
+            <a:r>
+              <a:rPr lang="en-US" dirty="0"/>
+              <a:t>the target </a:t>
+            </a:r>
+            <a:r>
+              <a:rPr lang="en-US" dirty="0" smtClean="0"/>
+              <a:t>users</a:t>
+            </a:r>
+          </a:p>
+          <a:p>
+            <a:r>
+              <a:rPr lang="en-US" dirty="0" smtClean="0"/>
+              <a:t>Discuss </a:t>
+            </a:r>
+            <a:r>
+              <a:rPr lang="en-US" dirty="0"/>
+              <a:t>the characteristics of the target </a:t>
+            </a:r>
+            <a:r>
+              <a:rPr lang="en-US" dirty="0" smtClean="0"/>
+              <a:t>users</a:t>
+            </a:r>
+            <a:endParaRPr lang="en-US" dirty="0"/>
+          </a:p>
+        </p:txBody>
+      </p:sp>
+    </p:spTree>
+    <p:extLst>
+      <p:ext uri="{BB962C8B-B14F-4D97-AF65-F5344CB8AC3E}">
+        <p14:creationId xmlns:p14="http://schemas.microsoft.com/office/powerpoint/2010/main" val="1392475990"/>
+      </p:ext>
+    </p:extLst>
+  </p:cSld>
+  <p:clrMapOvr>
+    <a:masterClrMapping/>
+  </p:clrMapOvr>
+</p:sld>
+</file>
+
+<file path=ppt/slides/slide6.xml><?xml version="1.0" encoding="utf-8"?>
+<p:sld xmlns:a="http://schemas.openxmlformats.org/drawingml/2006/main" xmlns:r="http://schemas.openxmlformats.org/officeDocument/2006/relationships" xmlns:p="http://schemas.openxmlformats.org/presentationml/2006/main">
+  <p:cSld>
+    <p:spTree>
+      <p:nvGrpSpPr>
+        <p:cNvPr id="1" name=""/>
+        <p:cNvGrpSpPr/>
+        <p:nvPr/>
+      </p:nvGrpSpPr>
+      <p:grpSpPr>
+        <a:xfrm>
+          <a:off x="0" y="0"/>
+          <a:ext cx="0" cy="0"/>
+          <a:chOff x="0" y="0"/>
+          <a:chExt cx="0" cy="0"/>
+        </a:xfrm>
+      </p:grpSpPr>
+      <p:sp>
+        <p:nvSpPr>
+          <p:cNvPr id="2" name="Title 1"/>
+          <p:cNvSpPr>
+            <a:spLocks noGrp="1"/>
+          </p:cNvSpPr>
+          <p:nvPr>
+            <p:ph type="title"/>
+          </p:nvPr>
+        </p:nvSpPr>
+        <p:spPr>
+          <a:xfrm>
+            <a:off x="684212" y="368486"/>
+            <a:ext cx="8534400" cy="1507067"/>
+          </a:xfrm>
+        </p:spPr>
+        <p:txBody>
+          <a:bodyPr/>
+          <a:lstStyle/>
+          <a:p>
+            <a:r>
+              <a:rPr lang="en-US" dirty="0" smtClean="0"/>
+              <a:t>features</a:t>
+            </a:r>
+            <a:endParaRPr lang="en-AU" dirty="0"/>
+          </a:p>
+        </p:txBody>
+      </p:sp>
+      <p:sp>
+        <p:nvSpPr>
+          <p:cNvPr id="3" name="Content Placeholder 2"/>
+          <p:cNvSpPr>
+            <a:spLocks noGrp="1"/>
+          </p:cNvSpPr>
+          <p:nvPr>
+            <p:ph idx="1"/>
+          </p:nvPr>
+        </p:nvSpPr>
+        <p:spPr>
+          <a:xfrm>
+            <a:off x="684212" y="2215195"/>
+            <a:ext cx="8534400" cy="3615267"/>
+          </a:xfrm>
+        </p:spPr>
+        <p:txBody>
+          <a:bodyPr>
+            <a:normAutofit/>
+          </a:bodyPr>
+          <a:lstStyle/>
+          <a:p>
+            <a:r>
+              <a:rPr lang="en-US" dirty="0" smtClean="0"/>
+              <a:t>Identify </a:t>
+            </a:r>
+            <a:r>
+              <a:rPr lang="en-US" dirty="0"/>
+              <a:t>the basic features to be implemented </a:t>
+            </a:r>
+          </a:p>
+          <a:p>
+            <a:r>
+              <a:rPr lang="en-US" dirty="0" smtClean="0"/>
+              <a:t>Identify </a:t>
+            </a:r>
+            <a:r>
+              <a:rPr lang="en-US" dirty="0"/>
+              <a:t>and discuss features to enhance users </a:t>
+            </a:r>
+            <a:r>
+              <a:rPr lang="en-US" dirty="0" smtClean="0"/>
+              <a:t>experience</a:t>
+            </a:r>
+            <a:endParaRPr lang="en-US" dirty="0"/>
+          </a:p>
+        </p:txBody>
+      </p:sp>
+    </p:spTree>
+    <p:extLst>
+      <p:ext uri="{BB962C8B-B14F-4D97-AF65-F5344CB8AC3E}">
+        <p14:creationId xmlns:p14="http://schemas.microsoft.com/office/powerpoint/2010/main" val="3023949364"/>
+      </p:ext>
+    </p:extLst>
+  </p:cSld>
+  <p:clrMapOvr>
+    <a:masterClrMapping/>
+  </p:clrMapOvr>
+</p:sld>
+</file>
+
+<file path=ppt/slides/slide7.xml><?xml version="1.0" encoding="utf-8"?>
+<p:sld xmlns:a="http://schemas.openxmlformats.org/drawingml/2006/main" xmlns:r="http://schemas.openxmlformats.org/officeDocument/2006/relationships" xmlns:p="http://schemas.openxmlformats.org/presentationml/2006/main">
+  <p:cSld>
+    <p:spTree>
+      <p:nvGrpSpPr>
+        <p:cNvPr id="1" name=""/>
+        <p:cNvGrpSpPr/>
+        <p:nvPr/>
+      </p:nvGrpSpPr>
+      <p:grpSpPr>
+        <a:xfrm>
+          <a:off x="0" y="0"/>
+          <a:ext cx="0" cy="0"/>
+          <a:chOff x="0" y="0"/>
+          <a:chExt cx="0" cy="0"/>
+        </a:xfrm>
+      </p:grpSpPr>
+      <p:sp>
+        <p:nvSpPr>
+          <p:cNvPr id="2" name="Title 1"/>
+          <p:cNvSpPr>
+            <a:spLocks noGrp="1"/>
+          </p:cNvSpPr>
+          <p:nvPr>
+            <p:ph type="title"/>
+          </p:nvPr>
+        </p:nvSpPr>
+        <p:spPr>
+          <a:xfrm>
+            <a:off x="684212" y="368486"/>
+            <a:ext cx="8534400" cy="1507067"/>
+          </a:xfrm>
+        </p:spPr>
+        <p:txBody>
+          <a:bodyPr/>
+          <a:lstStyle/>
+          <a:p>
+            <a:r>
+              <a:rPr lang="en-US" dirty="0" smtClean="0"/>
+              <a:t>Sample User Interface</a:t>
+            </a:r>
+            <a:endParaRPr lang="en-AU" dirty="0"/>
+          </a:p>
+        </p:txBody>
+      </p:sp>
+      <p:sp>
+        <p:nvSpPr>
+          <p:cNvPr id="3" name="Rectangle 2"/>
+          <p:cNvSpPr/>
+          <p:nvPr/>
+        </p:nvSpPr>
+        <p:spPr>
+          <a:xfrm>
+            <a:off x="2921225" y="1875553"/>
+            <a:ext cx="5882909" cy="1173345"/>
+          </a:xfrm>
+          <a:prstGeom prst="rect">
+            <a:avLst/>
+          </a:prstGeom>
+        </p:spPr>
+        <p:style>
+          <a:lnRef idx="2">
+            <a:schemeClr val="accent1">
+              <a:shade val="50000"/>
+            </a:schemeClr>
+          </a:lnRef>
+          <a:fillRef idx="1">
+            <a:schemeClr val="accent1"/>
+          </a:fillRef>
+          <a:effectRef idx="0">
+            <a:schemeClr val="accent1"/>
+          </a:effectRef>
+          <a:fontRef idx="minor">
+            <a:schemeClr val="lt1"/>
+          </a:fontRef>
+        </p:style>
+        <p:txBody>
+          <a:bodyPr rtlCol="0" anchor="ctr"/>
+          <a:lstStyle/>
+          <a:p>
+            <a:pPr algn="ctr"/>
+            <a:endParaRPr lang="en-AU"/>
+          </a:p>
+        </p:txBody>
+      </p:sp>
+    </p:spTree>
+    <p:extLst>
+      <p:ext uri="{BB962C8B-B14F-4D97-AF65-F5344CB8AC3E}">
+        <p14:creationId xmlns:p14="http://schemas.microsoft.com/office/powerpoint/2010/main" val="48083459"/>
+      </p:ext>
+    </p:extLst>
+  </p:cSld>
+  <p:clrMapOvr>
+    <a:masterClrMapping/>
+  </p:clrMapOvr>
+</p:sld>
+</file>
+
+<file path=ppt/slides/slide8.xml><?xml version="1.0" encoding="utf-8"?>
+<p:sld xmlns:a="http://schemas.openxmlformats.org/drawingml/2006/main" xmlns:r="http://schemas.openxmlformats.org/officeDocument/2006/relationships" xmlns:p="http://schemas.openxmlformats.org/presentationml/2006/main">
+  <p:cSld>
+    <p:spTree>
+      <p:nvGrpSpPr>
+        <p:cNvPr id="1" name=""/>
+        <p:cNvGrpSpPr/>
+        <p:nvPr/>
+      </p:nvGrpSpPr>
+      <p:grpSpPr>
+        <a:xfrm>
+          <a:off x="0" y="0"/>
+          <a:ext cx="0" cy="0"/>
+          <a:chOff x="0" y="0"/>
+          <a:chExt cx="0" cy="0"/>
+        </a:xfrm>
+      </p:grpSpPr>
+      <p:sp>
+        <p:nvSpPr>
+          <p:cNvPr id="2" name="Title 1"/>
+          <p:cNvSpPr>
+            <a:spLocks noGrp="1"/>
+          </p:cNvSpPr>
+          <p:nvPr>
+            <p:ph type="title"/>
+          </p:nvPr>
+        </p:nvSpPr>
+        <p:spPr>
+          <a:xfrm>
+            <a:off x="684212" y="368486"/>
+            <a:ext cx="8534400" cy="1507067"/>
+          </a:xfrm>
+        </p:spPr>
+        <p:txBody>
+          <a:bodyPr/>
+          <a:lstStyle/>
+          <a:p>
+            <a:r>
+              <a:rPr lang="en-US" dirty="0"/>
+              <a:t>Technologies</a:t>
+            </a:r>
+            <a:endParaRPr lang="en-AU" dirty="0"/>
+          </a:p>
+        </p:txBody>
+      </p:sp>
+      <p:sp>
+        <p:nvSpPr>
+          <p:cNvPr id="3" name="Content Placeholder 2"/>
+          <p:cNvSpPr>
+            <a:spLocks noGrp="1"/>
+          </p:cNvSpPr>
+          <p:nvPr>
+            <p:ph idx="1"/>
+          </p:nvPr>
+        </p:nvSpPr>
+        <p:spPr>
+          <a:xfrm>
+            <a:off x="1509712" y="1875552"/>
+            <a:ext cx="8534400" cy="4715747"/>
+          </a:xfrm>
+        </p:spPr>
+        <p:txBody>
+          <a:bodyPr>
+            <a:normAutofit/>
+          </a:bodyPr>
+          <a:lstStyle/>
+          <a:p>
+            <a:pPr marL="0" indent="0">
+              <a:buNone/>
+            </a:pPr>
+            <a:r>
+              <a:rPr lang="en-US" b="1" dirty="0" smtClean="0">
+                <a:solidFill>
+                  <a:schemeClr val="tx2">
+                    <a:lumMod val="60000"/>
+                    <a:lumOff val="40000"/>
+                  </a:schemeClr>
+                </a:solidFill>
+              </a:rPr>
+              <a:t>M</a:t>
+            </a:r>
+          </a:p>
+          <a:p>
+            <a:pPr marL="0" indent="0">
+              <a:buNone/>
+            </a:pPr>
+            <a:endParaRPr lang="en-US" b="1" dirty="0">
+              <a:solidFill>
+                <a:schemeClr val="tx2">
+                  <a:lumMod val="60000"/>
+                  <a:lumOff val="40000"/>
+                </a:schemeClr>
+              </a:solidFill>
+            </a:endParaRPr>
+          </a:p>
+          <a:p>
+            <a:pPr marL="0" indent="0">
+              <a:buNone/>
+            </a:pPr>
+            <a:endParaRPr lang="en-US" b="1" dirty="0" smtClean="0">
+              <a:solidFill>
+                <a:schemeClr val="tx2">
+                  <a:lumMod val="60000"/>
+                  <a:lumOff val="40000"/>
+                </a:schemeClr>
+              </a:solidFill>
+            </a:endParaRPr>
+          </a:p>
+          <a:p>
+            <a:pPr marL="0" indent="0">
+              <a:buNone/>
+            </a:pPr>
+            <a:r>
+              <a:rPr lang="en-US" b="1" dirty="0" smtClean="0">
+                <a:solidFill>
+                  <a:schemeClr val="tx2">
+                    <a:lumMod val="60000"/>
+                    <a:lumOff val="40000"/>
+                  </a:schemeClr>
+                </a:solidFill>
+              </a:rPr>
+              <a:t>E</a:t>
+            </a:r>
+          </a:p>
+          <a:p>
+            <a:pPr marL="0" indent="0">
+              <a:buNone/>
+            </a:pPr>
+            <a:endParaRPr lang="en-US" b="1" dirty="0">
+              <a:solidFill>
+                <a:schemeClr val="tx2">
+                  <a:lumMod val="60000"/>
+                  <a:lumOff val="40000"/>
+                </a:schemeClr>
+              </a:solidFill>
+            </a:endParaRPr>
+          </a:p>
+          <a:p>
+            <a:pPr marL="0" indent="0">
+              <a:buNone/>
+            </a:pPr>
+            <a:endParaRPr lang="en-US" b="1" dirty="0" smtClean="0">
+              <a:solidFill>
+                <a:schemeClr val="tx2">
+                  <a:lumMod val="60000"/>
+                  <a:lumOff val="40000"/>
+                </a:schemeClr>
+              </a:solidFill>
+            </a:endParaRPr>
+          </a:p>
+          <a:p>
+            <a:pPr marL="0" indent="0">
+              <a:buNone/>
+            </a:pPr>
+            <a:r>
+              <a:rPr lang="en-US" b="1" dirty="0" smtClean="0">
+                <a:solidFill>
+                  <a:schemeClr val="tx2">
+                    <a:lumMod val="60000"/>
+                    <a:lumOff val="40000"/>
+                  </a:schemeClr>
+                </a:solidFill>
+              </a:rPr>
+              <a:t>A</a:t>
+            </a:r>
+          </a:p>
+          <a:p>
+            <a:pPr marL="0" indent="0">
+              <a:buNone/>
+            </a:pPr>
+            <a:endParaRPr lang="en-US" b="1" dirty="0">
+              <a:solidFill>
+                <a:schemeClr val="tx2">
+                  <a:lumMod val="60000"/>
+                  <a:lumOff val="40000"/>
+                </a:schemeClr>
+              </a:solidFill>
+            </a:endParaRPr>
+          </a:p>
+          <a:p>
+            <a:pPr marL="0" indent="0">
+              <a:buNone/>
+            </a:pPr>
+            <a:endParaRPr lang="en-US" b="1" dirty="0" smtClean="0">
+              <a:solidFill>
+                <a:schemeClr val="tx2">
+                  <a:lumMod val="60000"/>
+                  <a:lumOff val="40000"/>
+                </a:schemeClr>
+              </a:solidFill>
+            </a:endParaRPr>
+          </a:p>
+          <a:p>
+            <a:pPr marL="0" indent="0">
+              <a:buNone/>
+            </a:pPr>
+            <a:r>
+              <a:rPr lang="en-US" b="1" dirty="0" smtClean="0">
+                <a:solidFill>
+                  <a:schemeClr val="tx2">
+                    <a:lumMod val="60000"/>
+                    <a:lumOff val="40000"/>
+                  </a:schemeClr>
+                </a:solidFill>
+              </a:rPr>
+              <a:t>N</a:t>
+            </a:r>
+            <a:endParaRPr lang="en-US" b="1" dirty="0">
+              <a:solidFill>
+                <a:schemeClr val="tx2">
+                  <a:lumMod val="60000"/>
+                  <a:lumOff val="40000"/>
+                </a:schemeClr>
+              </a:solidFill>
+            </a:endParaRPr>
+          </a:p>
+        </p:txBody>
+      </p:sp>
+      <p:pic>
+        <p:nvPicPr>
+          <p:cNvPr id="6" name="Picture 5"/>
+          <p:cNvPicPr>
+            <a:picLocks noChangeAspect="1"/>
+          </p:cNvPicPr>
+          <p:nvPr/>
+        </p:nvPicPr>
+        <p:blipFill>
+          <a:blip r:embed="rId2">
+            <a:clrChange>
+              <a:clrFrom>
+                <a:srgbClr val="000000"/>
+              </a:clrFrom>
+              <a:clrTo>
+                <a:srgbClr val="000000">
+                  <a:alpha val="0"/>
+                </a:srgbClr>
+              </a:clrTo>
+            </a:clrChange>
+            <a:extLst>
+              <a:ext uri="{28A0092B-C50C-407E-A947-70E740481C1C}">
+                <a14:useLocalDpi xmlns:a14="http://schemas.microsoft.com/office/drawing/2010/main" val="0"/>
+              </a:ext>
+            </a:extLst>
+          </a:blip>
+          <a:stretch>
+            <a:fillRect/>
+          </a:stretch>
+        </p:blipFill>
+        <p:spPr>
+          <a:xfrm>
+            <a:off x="2386012" y="1853245"/>
+            <a:ext cx="2811231" cy="829313"/>
+          </a:xfrm>
+          <a:prstGeom prst="rect">
+            <a:avLst/>
+          </a:prstGeom>
+        </p:spPr>
+      </p:pic>
+      <p:pic>
+        <p:nvPicPr>
+          <p:cNvPr id="16" name="Picture 15"/>
+          <p:cNvPicPr>
+            <a:picLocks noChangeAspect="1"/>
+          </p:cNvPicPr>
+          <p:nvPr/>
+        </p:nvPicPr>
+        <p:blipFill rotWithShape="1">
+          <a:blip r:embed="rId3">
+            <a:clrChange>
+              <a:clrFrom>
+                <a:srgbClr val="FFFFFF"/>
+              </a:clrFrom>
+              <a:clrTo>
+                <a:srgbClr val="FFFFFF">
+                  <a:alpha val="0"/>
+                </a:srgbClr>
+              </a:clrTo>
+            </a:clrChange>
+          </a:blip>
+          <a:srcRect l="50417" t="10370" r="13194" b="72593"/>
+          <a:stretch/>
+        </p:blipFill>
+        <p:spPr>
+          <a:xfrm>
+            <a:off x="2386012" y="4469703"/>
+            <a:ext cx="3276600" cy="862921"/>
+          </a:xfrm>
+          <a:prstGeom prst="rect">
+            <a:avLst/>
+          </a:prstGeom>
+        </p:spPr>
+      </p:pic>
+      <p:sp>
+        <p:nvSpPr>
+          <p:cNvPr id="17" name="TextBox 16"/>
+          <p:cNvSpPr txBox="1"/>
+          <p:nvPr/>
+        </p:nvSpPr>
+        <p:spPr>
+          <a:xfrm>
+            <a:off x="2386012" y="3045927"/>
+            <a:ext cx="2811231" cy="1015663"/>
+          </a:xfrm>
+          <a:prstGeom prst="rect">
+            <a:avLst/>
+          </a:prstGeom>
+          <a:noFill/>
+        </p:spPr>
+        <p:txBody>
+          <a:bodyPr wrap="square" rtlCol="0">
+            <a:spAutoFit/>
+          </a:bodyPr>
+          <a:lstStyle/>
+          <a:p>
+            <a:r>
+              <a:rPr lang="en-US" sz="6000" dirty="0" smtClean="0">
+                <a:ln w="0"/>
+                <a:solidFill>
+                  <a:schemeClr val="accent1"/>
+                </a:solidFill>
+                <a:effectLst>
+                  <a:outerShdw blurRad="38100" dist="25400" dir="5400000" algn="ctr" rotWithShape="0">
+                    <a:srgbClr val="6E747A">
+                      <a:alpha val="43000"/>
+                    </a:srgbClr>
+                  </a:outerShdw>
+                </a:effectLst>
+                <a:latin typeface="Segoe UI Light" panose="020B0502040204020203" pitchFamily="34" charset="0"/>
+                <a:cs typeface="Segoe UI Light" panose="020B0502040204020203" pitchFamily="34" charset="0"/>
+              </a:rPr>
+              <a:t>express</a:t>
+            </a:r>
+            <a:endParaRPr lang="en-AU" sz="6000" dirty="0">
+              <a:ln w="0"/>
+              <a:solidFill>
+                <a:schemeClr val="accent1"/>
+              </a:solidFill>
+              <a:effectLst>
+                <a:outerShdw blurRad="38100" dist="25400" dir="5400000" algn="ctr" rotWithShape="0">
+                  <a:srgbClr val="6E747A">
+                    <a:alpha val="43000"/>
+                  </a:srgbClr>
+                </a:outerShdw>
+              </a:effectLst>
+              <a:latin typeface="Segoe UI Light" panose="020B0502040204020203" pitchFamily="34" charset="0"/>
+              <a:cs typeface="Segoe UI Light" panose="020B0502040204020203" pitchFamily="34" charset="0"/>
+            </a:endParaRPr>
+          </a:p>
+        </p:txBody>
+      </p:sp>
+      <p:pic>
+        <p:nvPicPr>
+          <p:cNvPr id="22" name="Picture 21"/>
+          <p:cNvPicPr>
+            <a:picLocks noChangeAspect="1"/>
+          </p:cNvPicPr>
+          <p:nvPr/>
+        </p:nvPicPr>
+        <p:blipFill>
+          <a:blip r:embed="rId4">
+            <a:clrChange>
+              <a:clrFrom>
+                <a:srgbClr val="7FBD42"/>
+              </a:clrFrom>
+              <a:clrTo>
+                <a:srgbClr val="7FBD42">
+                  <a:alpha val="0"/>
+                </a:srgbClr>
+              </a:clrTo>
+            </a:clrChange>
+          </a:blip>
+          <a:stretch>
+            <a:fillRect/>
+          </a:stretch>
+        </p:blipFill>
+        <p:spPr>
+          <a:xfrm>
+            <a:off x="2106612" y="5615810"/>
+            <a:ext cx="3276600" cy="1186459"/>
+          </a:xfrm>
+          <a:prstGeom prst="rect">
+            <a:avLst/>
+          </a:prstGeom>
+        </p:spPr>
+      </p:pic>
+      <p:sp>
+        <p:nvSpPr>
+          <p:cNvPr id="24" name="Down Arrow 23"/>
+          <p:cNvSpPr/>
+          <p:nvPr/>
+        </p:nvSpPr>
+        <p:spPr>
+          <a:xfrm>
+            <a:off x="6954919" y="2822726"/>
+            <a:ext cx="1159039" cy="3768573"/>
+          </a:xfrm>
+          <a:prstGeom prst="downArrow">
+            <a:avLst/>
+          </a:prstGeom>
+          <a:solidFill>
+            <a:srgbClr val="F0DB4F"/>
+          </a:solidFill>
+          <a:ln>
+            <a:solidFill>
+              <a:schemeClr val="bg2">
+                <a:lumMod val="50000"/>
+              </a:schemeClr>
+            </a:solidFill>
+          </a:ln>
+        </p:spPr>
+        <p:style>
+          <a:lnRef idx="2">
+            <a:schemeClr val="accent1">
+              <a:shade val="50000"/>
+            </a:schemeClr>
+          </a:lnRef>
+          <a:fillRef idx="1">
+            <a:schemeClr val="accent1"/>
+          </a:fillRef>
+          <a:effectRef idx="0">
+            <a:schemeClr val="accent1"/>
+          </a:effectRef>
+          <a:fontRef idx="minor">
+            <a:schemeClr val="lt1"/>
+          </a:fontRef>
+        </p:style>
+        <p:txBody>
+          <a:bodyPr rtlCol="0" anchor="ctr"/>
+          <a:lstStyle/>
+          <a:p>
+            <a:pPr algn="ctr"/>
+            <a:endParaRPr lang="en-AU"/>
+          </a:p>
+        </p:txBody>
+      </p:sp>
+      <p:pic>
+        <p:nvPicPr>
+          <p:cNvPr id="23" name="Picture 22"/>
+          <p:cNvPicPr>
+            <a:picLocks noChangeAspect="1"/>
+          </p:cNvPicPr>
+          <p:nvPr/>
+        </p:nvPicPr>
+        <p:blipFill>
+          <a:blip r:embed="rId5">
+            <a:extLst>
+              <a:ext uri="{28A0092B-C50C-407E-A947-70E740481C1C}">
+                <a14:useLocalDpi xmlns:a14="http://schemas.microsoft.com/office/drawing/2010/main" val="0"/>
+              </a:ext>
+            </a:extLst>
+          </a:blip>
+          <a:stretch>
+            <a:fillRect/>
+          </a:stretch>
+        </p:blipFill>
+        <p:spPr>
+          <a:xfrm>
+            <a:off x="7060850" y="1987152"/>
+            <a:ext cx="947176" cy="947176"/>
+          </a:xfrm>
+          <a:prstGeom prst="rect">
+            <a:avLst/>
+          </a:prstGeom>
+          <a:ln>
+            <a:solidFill>
+              <a:schemeClr val="bg2">
+                <a:lumMod val="50000"/>
+              </a:schemeClr>
+            </a:solidFill>
+          </a:ln>
+        </p:spPr>
+      </p:pic>
+    </p:spTree>
+    <p:extLst>
+      <p:ext uri="{BB962C8B-B14F-4D97-AF65-F5344CB8AC3E}">
+        <p14:creationId xmlns:p14="http://schemas.microsoft.com/office/powerpoint/2010/main" val="4258404270"/>
+      </p:ext>
+    </p:extLst>
+  </p:cSld>
+  <p:clrMapOvr>
+    <a:masterClrMapping/>
+  </p:clrMapOvr>
+</p:sld>
+</file>
+
+<file path=ppt/slides/slide9.xml><?xml version="1.0" encoding="utf-8"?>
+<p:sld xmlns:a="http://schemas.openxmlformats.org/drawingml/2006/main" xmlns:r="http://schemas.openxmlformats.org/officeDocument/2006/relationships" xmlns:p="http://schemas.openxmlformats.org/presentationml/2006/main">
+  <p:cSld>
+    <p:spTree>
+      <p:nvGrpSpPr>
+        <p:cNvPr id="1" name=""/>
+        <p:cNvGrpSpPr/>
+        <p:nvPr/>
+      </p:nvGrpSpPr>
+      <p:grpSpPr>
+        <a:xfrm>
+          <a:off x="0" y="0"/>
+          <a:ext cx="0" cy="0"/>
+          <a:chOff x="0" y="0"/>
+          <a:chExt cx="0" cy="0"/>
+        </a:xfrm>
+      </p:grpSpPr>
+      <p:sp>
+        <p:nvSpPr>
+          <p:cNvPr id="2" name="Title 1"/>
+          <p:cNvSpPr>
+            <a:spLocks noGrp="1"/>
+          </p:cNvSpPr>
+          <p:nvPr>
+            <p:ph type="title"/>
+          </p:nvPr>
+        </p:nvSpPr>
+        <p:spPr>
+          <a:xfrm>
+            <a:off x="684212" y="368486"/>
+            <a:ext cx="8534400" cy="1507067"/>
+          </a:xfrm>
+        </p:spPr>
+        <p:txBody>
+          <a:bodyPr/>
+          <a:lstStyle/>
+          <a:p>
+            <a:r>
+              <a:rPr lang="en-US" dirty="0" smtClean="0"/>
+              <a:t>Data Requirements (ERD)</a:t>
+            </a:r>
+            <a:endParaRPr lang="en-AU" dirty="0"/>
+          </a:p>
+        </p:txBody>
+      </p:sp>
+      <p:graphicFrame>
+        <p:nvGraphicFramePr>
+          <p:cNvPr id="7" name="Object 6"/>
+          <p:cNvGraphicFramePr>
+            <a:graphicFrameLocks noChangeAspect="1"/>
+          </p:cNvGraphicFramePr>
+          <p:nvPr>
+            <p:extLst>
+              <p:ext uri="{D42A27DB-BD31-4B8C-83A1-F6EECF244321}">
+                <p14:modId xmlns:p14="http://schemas.microsoft.com/office/powerpoint/2010/main" val="3947665350"/>
+              </p:ext>
+            </p:extLst>
+          </p:nvPr>
+        </p:nvGraphicFramePr>
+        <p:xfrm>
+          <a:off x="150812" y="1273175"/>
+          <a:ext cx="11114088" cy="5584825"/>
+        </p:xfrm>
+        <a:graphic>
+          <a:graphicData uri="http://schemas.openxmlformats.org/presentationml/2006/ole">
+            <mc:AlternateContent xmlns:mc="http://schemas.openxmlformats.org/markup-compatibility/2006">
+              <mc:Choice xmlns:v="urn:schemas-microsoft-com:vml" Requires="v">
+                <p:oleObj spid="_x0000_s3074" name="Visio" r:id="rId3" imgW="9601372" imgH="6791484" progId="Visio.Drawing.15">
+                  <p:embed/>
+                </p:oleObj>
+              </mc:Choice>
+              <mc:Fallback>
+                <p:oleObj name="Visio" r:id="rId3" imgW="9601372" imgH="6791484" progId="Visio.Drawing.15">
+                  <p:embed/>
+                  <p:pic>
+                    <p:nvPicPr>
+                      <p:cNvPr id="0" name=""/>
+                      <p:cNvPicPr/>
+                      <p:nvPr/>
+                    </p:nvPicPr>
+                    <p:blipFill>
+                      <a:blip r:embed="rId4"/>
+                      <a:stretch>
+                        <a:fillRect/>
+                      </a:stretch>
+                    </p:blipFill>
+                    <p:spPr>
+                      <a:xfrm>
+                        <a:off x="150812" y="1273175"/>
+                        <a:ext cx="11114088" cy="5584825"/>
+                      </a:xfrm>
+                      <a:prstGeom prst="rect">
+                        <a:avLst/>
+                      </a:prstGeom>
+                    </p:spPr>
+                  </p:pic>
+                </p:oleObj>
+              </mc:Fallback>
+            </mc:AlternateContent>
+          </a:graphicData>
+        </a:graphic>
+      </p:graphicFrame>
+    </p:spTree>
+    <p:extLst>
+      <p:ext uri="{BB962C8B-B14F-4D97-AF65-F5344CB8AC3E}">
+        <p14:creationId xmlns:p14="http://schemas.microsoft.com/office/powerpoint/2010/main" val="451716557"/>
+      </p:ext>
+    </p:extLst>
+  </p:cSld>
+  <p:clrMapOvr>
+    <a:masterClrMapping/>
+  </p:clrMapOvr>
+</p:sld>
+</file>
+
 <file path=ppt/theme/theme1.xml><?xml version="1.0" encoding="utf-8"?>
 <a:theme xmlns:a="http://schemas.openxmlformats.org/drawingml/2006/main" name="Slice">
   <a:themeElements>
